--- a/ppt/聊一下NodeJS.pptx
+++ b/ppt/聊一下NodeJS.pptx
@@ -23,6 +23,7 @@
     <p:sldId id="267" r:id="rId16"/>
     <p:sldId id="270" r:id="rId17"/>
     <p:sldId id="271" r:id="rId18"/>
+    <p:sldId id="286" r:id="rId19"/>
   </p:sldIdLst>
   <p:sldSz cx="9144000" cy="6858000" type="screen4x3"/>
   <p:notesSz cx="6858000" cy="9144000"/>
@@ -650,6 +651,50 @@
 </file>
 
 <file path=ppt/notesSlides/notesSlide11.xml><?xml version="1.0" encoding="utf-8"?>
+<p:notes xmlns:a="http://schemas.openxmlformats.org/drawingml/2006/main" xmlns:r="http://schemas.openxmlformats.org/officeDocument/2006/relationships" xmlns:p="http://schemas.openxmlformats.org/presentationml/2006/main">
+  <p:cSld>
+    <p:spTree>
+      <p:nvGrpSpPr>
+        <p:cNvPr id="1" name=""/>
+        <p:cNvGrpSpPr/>
+        <p:nvPr/>
+      </p:nvGrpSpPr>
+      <p:grpSpPr/>
+      <p:sp>
+        <p:nvSpPr>
+          <p:cNvPr id="2" name="幻灯片图像占位符 1"/>
+          <p:cNvSpPr/>
+          <p:nvPr>
+            <p:ph type="sldImg" idx="2"/>
+          </p:nvPr>
+        </p:nvSpPr>
+        <p:spPr/>
+      </p:sp>
+      <p:sp>
+        <p:nvSpPr>
+          <p:cNvPr id="3" name="文本占位符 2"/>
+          <p:cNvSpPr/>
+          <p:nvPr>
+            <p:ph type="body" idx="3"/>
+          </p:nvPr>
+        </p:nvSpPr>
+        <p:spPr/>
+        <p:txBody>
+          <a:bodyPr/>
+          <a:p>
+            <a:endParaRPr lang="zh-CN" altLang="en-US"/>
+          </a:p>
+        </p:txBody>
+      </p:sp>
+    </p:spTree>
+  </p:cSld>
+  <p:clrMapOvr>
+    <a:masterClrMapping/>
+  </p:clrMapOvr>
+</p:notes>
+</file>
+
+<file path=ppt/notesSlides/notesSlide12.xml><?xml version="1.0" encoding="utf-8"?>
 <p:notes xmlns:a="http://schemas.openxmlformats.org/drawingml/2006/main" xmlns:r="http://schemas.openxmlformats.org/officeDocument/2006/relationships" xmlns:p="http://schemas.openxmlformats.org/presentationml/2006/main">
   <p:cSld>
     <p:spTree>
@@ -7344,7 +7389,7 @@
       <p:grpSpPr/>
       <p:pic>
         <p:nvPicPr>
-          <p:cNvPr id="5" name="图片 4"/>
+          <p:cNvPr id="2" name="图片 1"/>
           <p:cNvPicPr>
             <a:picLocks noChangeAspect="1"/>
           </p:cNvPicPr>
@@ -7358,8 +7403,8 @@
         </p:blipFill>
         <p:spPr>
           <a:xfrm>
-            <a:off x="128270" y="1228725"/>
-            <a:ext cx="8965565" cy="4097655"/>
+            <a:off x="60960" y="521970"/>
+            <a:ext cx="9022715" cy="5813425"/>
           </a:xfrm>
           <a:prstGeom prst="rect">
             <a:avLst/>
@@ -7410,6 +7455,256 @@
                 </a:solidFill>
                 <a:sym typeface="+mn-ea"/>
               </a:rPr>
+              <a:t>优缺点</a:t>
+            </a:r>
+            <a:endParaRPr lang="zh-CN" altLang="en-US" sz="3200">
+              <a:solidFill>
+                <a:schemeClr val="bg1"/>
+              </a:solidFill>
+              <a:sym typeface="+mn-ea"/>
+            </a:endParaRPr>
+          </a:p>
+        </p:txBody>
+      </p:sp>
+      <p:sp>
+        <p:nvSpPr>
+          <p:cNvPr id="6" name="副标题 5"/>
+          <p:cNvSpPr>
+            <a:spLocks noGrp="1"/>
+          </p:cNvSpPr>
+          <p:nvPr>
+            <p:ph type="subTitle" idx="1"/>
+          </p:nvPr>
+        </p:nvSpPr>
+        <p:spPr>
+          <a:xfrm>
+            <a:off x="767715" y="1638935"/>
+            <a:ext cx="7752080" cy="4224020"/>
+          </a:xfrm>
+        </p:spPr>
+        <p:txBody>
+          <a:bodyPr/>
+          <a:p>
+            <a:pPr marL="514350" indent="-514350" algn="l">
+              <a:lnSpc>
+                <a:spcPct val="140000"/>
+              </a:lnSpc>
+              <a:buFont typeface="Wingdings" panose="05000000000000000000" charset="0"/>
+              <a:buChar char="l"/>
+            </a:pPr>
+            <a:r>
+              <a:rPr lang="zh-CN" altLang="en-US" sz="2000">
+                <a:solidFill>
+                  <a:schemeClr val="bg1"/>
+                </a:solidFill>
+                <a:latin typeface="微软雅黑" panose="020B0503020204020204" charset="-122"/>
+                <a:ea typeface="微软雅黑" panose="020B0503020204020204" charset="-122"/>
+                <a:cs typeface="微软雅黑" panose="020B0503020204020204" charset="-122"/>
+              </a:rPr>
+              <a:t>node的优点：I/O密集型处理是node的强项，因为node的I/O请求都是异步的（如：sql查询请求、文件流操作操作请求、http请求...）</a:t>
+            </a:r>
+            <a:endParaRPr lang="zh-CN" altLang="en-US" sz="2000">
+              <a:solidFill>
+                <a:schemeClr val="bg1"/>
+              </a:solidFill>
+              <a:latin typeface="微软雅黑" panose="020B0503020204020204" charset="-122"/>
+              <a:ea typeface="微软雅黑" panose="020B0503020204020204" charset="-122"/>
+              <a:cs typeface="微软雅黑" panose="020B0503020204020204" charset="-122"/>
+            </a:endParaRPr>
+          </a:p>
+          <a:p>
+            <a:pPr marL="514350" indent="-514350" algn="l">
+              <a:lnSpc>
+                <a:spcPct val="140000"/>
+              </a:lnSpc>
+              <a:buFont typeface="Wingdings" panose="05000000000000000000" charset="0"/>
+              <a:buChar char="l"/>
+            </a:pPr>
+            <a:r>
+              <a:rPr lang="zh-CN" altLang="en-US" sz="2000">
+                <a:solidFill>
+                  <a:schemeClr val="bg1"/>
+                </a:solidFill>
+                <a:latin typeface="微软雅黑" panose="020B0503020204020204" charset="-122"/>
+                <a:ea typeface="微软雅黑" panose="020B0503020204020204" charset="-122"/>
+                <a:cs typeface="微软雅黑" panose="020B0503020204020204" charset="-122"/>
+              </a:rPr>
+              <a:t>node的缺点：不擅长cpu密集型的操作</a:t>
+            </a:r>
+            <a:endParaRPr lang="zh-CN" altLang="en-US" sz="2000">
+              <a:solidFill>
+                <a:schemeClr val="bg1"/>
+              </a:solidFill>
+              <a:latin typeface="微软雅黑" panose="020B0503020204020204" charset="-122"/>
+              <a:ea typeface="微软雅黑" panose="020B0503020204020204" charset="-122"/>
+              <a:cs typeface="微软雅黑" panose="020B0503020204020204" charset="-122"/>
+            </a:endParaRPr>
+          </a:p>
+          <a:p>
+            <a:pPr algn="l">
+              <a:lnSpc>
+                <a:spcPct val="140000"/>
+              </a:lnSpc>
+              <a:buFont typeface="Wingdings" panose="05000000000000000000" charset="0"/>
+            </a:pPr>
+            <a:endParaRPr lang="zh-CN" altLang="en-US" sz="2000">
+              <a:solidFill>
+                <a:schemeClr val="bg1"/>
+              </a:solidFill>
+              <a:latin typeface="微软雅黑" panose="020B0503020204020204" charset="-122"/>
+              <a:ea typeface="微软雅黑" panose="020B0503020204020204" charset="-122"/>
+              <a:cs typeface="微软雅黑" panose="020B0503020204020204" charset="-122"/>
+            </a:endParaRPr>
+          </a:p>
+          <a:p>
+            <a:pPr lvl="2" algn="l">
+              <a:lnSpc>
+                <a:spcPct val="140000"/>
+              </a:lnSpc>
+              <a:buFont typeface="Wingdings" panose="05000000000000000000" charset="0"/>
+            </a:pPr>
+            <a:r>
+              <a:rPr lang="zh-CN" altLang="en-US" sz="1800" b="1">
+                <a:solidFill>
+                  <a:schemeClr val="tx2"/>
+                </a:solidFill>
+                <a:latin typeface="微软雅黑" panose="020B0503020204020204" charset="-122"/>
+                <a:ea typeface="微软雅黑" panose="020B0503020204020204" charset="-122"/>
+                <a:cs typeface="微软雅黑" panose="020B0503020204020204" charset="-122"/>
+              </a:rPr>
+              <a:t>for (let i = 0; i &lt; 1000000; i++) {</a:t>
+            </a:r>
+            <a:endParaRPr lang="zh-CN" altLang="en-US" sz="1800" b="1">
+              <a:solidFill>
+                <a:schemeClr val="tx2"/>
+              </a:solidFill>
+              <a:latin typeface="微软雅黑" panose="020B0503020204020204" charset="-122"/>
+              <a:ea typeface="微软雅黑" panose="020B0503020204020204" charset="-122"/>
+              <a:cs typeface="微软雅黑" panose="020B0503020204020204" charset="-122"/>
+            </a:endParaRPr>
+          </a:p>
+          <a:p>
+            <a:pPr lvl="2" algn="l">
+              <a:lnSpc>
+                <a:spcPct val="140000"/>
+              </a:lnSpc>
+              <a:buFont typeface="Wingdings" panose="05000000000000000000" charset="0"/>
+            </a:pPr>
+            <a:r>
+              <a:rPr lang="zh-CN" altLang="en-US" sz="1800" b="1">
+                <a:solidFill>
+                  <a:schemeClr val="tx2"/>
+                </a:solidFill>
+                <a:latin typeface="微软雅黑" panose="020B0503020204020204" charset="-122"/>
+                <a:ea typeface="微软雅黑" panose="020B0503020204020204" charset="-122"/>
+                <a:cs typeface="微软雅黑" panose="020B0503020204020204" charset="-122"/>
+              </a:rPr>
+              <a:t> </a:t>
+            </a:r>
+            <a:r>
+              <a:rPr lang="en-US" altLang="zh-CN" sz="1800" b="1">
+                <a:solidFill>
+                  <a:schemeClr val="tx2"/>
+                </a:solidFill>
+                <a:latin typeface="微软雅黑" panose="020B0503020204020204" charset="-122"/>
+                <a:ea typeface="微软雅黑" panose="020B0503020204020204" charset="-122"/>
+                <a:cs typeface="微软雅黑" panose="020B0503020204020204" charset="-122"/>
+              </a:rPr>
+              <a:t>	 </a:t>
+            </a:r>
+            <a:r>
+              <a:rPr lang="zh-CN" altLang="en-US" sz="1800" b="1">
+                <a:solidFill>
+                  <a:schemeClr val="tx2"/>
+                </a:solidFill>
+                <a:latin typeface="微软雅黑" panose="020B0503020204020204" charset="-122"/>
+                <a:ea typeface="微软雅黑" panose="020B0503020204020204" charset="-122"/>
+                <a:cs typeface="微软雅黑" panose="020B0503020204020204" charset="-122"/>
+              </a:rPr>
+              <a:t>console.log(i);</a:t>
+            </a:r>
+            <a:endParaRPr lang="zh-CN" altLang="en-US" sz="1800" b="1">
+              <a:solidFill>
+                <a:schemeClr val="tx2"/>
+              </a:solidFill>
+              <a:latin typeface="微软雅黑" panose="020B0503020204020204" charset="-122"/>
+              <a:ea typeface="微软雅黑" panose="020B0503020204020204" charset="-122"/>
+              <a:cs typeface="微软雅黑" panose="020B0503020204020204" charset="-122"/>
+            </a:endParaRPr>
+          </a:p>
+          <a:p>
+            <a:pPr lvl="2" algn="l">
+              <a:lnSpc>
+                <a:spcPct val="140000"/>
+              </a:lnSpc>
+              <a:buFont typeface="Wingdings" panose="05000000000000000000" charset="0"/>
+            </a:pPr>
+            <a:r>
+              <a:rPr lang="zh-CN" altLang="en-US" sz="1800" b="1">
+                <a:solidFill>
+                  <a:schemeClr val="tx2"/>
+                </a:solidFill>
+                <a:latin typeface="微软雅黑" panose="020B0503020204020204" charset="-122"/>
+                <a:ea typeface="微软雅黑" panose="020B0503020204020204" charset="-122"/>
+                <a:cs typeface="微软雅黑" panose="020B0503020204020204" charset="-122"/>
+              </a:rPr>
+              <a:t>}</a:t>
+            </a:r>
+            <a:endParaRPr lang="zh-CN" altLang="en-US" sz="1800" b="1">
+              <a:solidFill>
+                <a:schemeClr val="tx2"/>
+              </a:solidFill>
+              <a:latin typeface="微软雅黑" panose="020B0503020204020204" charset="-122"/>
+              <a:ea typeface="微软雅黑" panose="020B0503020204020204" charset="-122"/>
+              <a:cs typeface="微软雅黑" panose="020B0503020204020204" charset="-122"/>
+            </a:endParaRPr>
+          </a:p>
+        </p:txBody>
+      </p:sp>
+    </p:spTree>
+  </p:cSld>
+  <p:clrMapOvr>
+    <a:masterClrMapping/>
+  </p:clrMapOvr>
+</p:sld>
+</file>
+
+<file path=ppt/slides/slide15.xml><?xml version="1.0" encoding="utf-8"?>
+<p:sld xmlns:a="http://schemas.openxmlformats.org/drawingml/2006/main" xmlns:r="http://schemas.openxmlformats.org/officeDocument/2006/relationships" xmlns:p="http://schemas.openxmlformats.org/presentationml/2006/main">
+  <p:cSld>
+    <p:spTree>
+      <p:nvGrpSpPr>
+        <p:cNvPr id="1" name=""/>
+        <p:cNvGrpSpPr/>
+        <p:nvPr/>
+      </p:nvGrpSpPr>
+      <p:grpSpPr/>
+      <p:sp>
+        <p:nvSpPr>
+          <p:cNvPr id="4" name="标题 3"/>
+          <p:cNvSpPr>
+            <a:spLocks noGrp="1"/>
+          </p:cNvSpPr>
+          <p:nvPr>
+            <p:ph type="ctrTitle"/>
+          </p:nvPr>
+        </p:nvSpPr>
+        <p:spPr>
+          <a:xfrm>
+            <a:off x="1316355" y="184150"/>
+            <a:ext cx="6684645" cy="987425"/>
+          </a:xfrm>
+        </p:spPr>
+        <p:txBody>
+          <a:bodyPr/>
+          <a:p>
+            <a:r>
+              <a:rPr lang="zh-CN" altLang="en-US" sz="3200">
+                <a:solidFill>
+                  <a:schemeClr val="bg1"/>
+                </a:solidFill>
+                <a:sym typeface="+mn-ea"/>
+              </a:rPr>
               <a:t>适用场景</a:t>
             </a:r>
             <a:endParaRPr lang="zh-CN" altLang="en-US" sz="3200">
@@ -7616,22 +7911,8 @@
                 </a:solidFill>
                 <a:sym typeface="+mn-ea"/>
               </a:rPr>
-              <a:t>Node.js单线程实现高并发原理</a:t>
-            </a:r>
-            <a:endParaRPr lang="zh-CN" altLang="en-US" sz="2000">
-              <a:solidFill>
-                <a:schemeClr val="bg1"/>
-              </a:solidFill>
-              <a:sym typeface="+mn-ea"/>
-            </a:endParaRPr>
-          </a:p>
-          <a:p>
-            <a:pPr algn="l">
-              <a:lnSpc>
-                <a:spcPct val="140000"/>
-              </a:lnSpc>
-              <a:buFont typeface="Wingdings" panose="05000000000000000000" charset="0"/>
-            </a:pPr>
+              <a:t>Node.js单线程实现高并发原理：单线程、</a:t>
+            </a:r>
             <a:r>
               <a:rPr lang="zh-CN" altLang="en-US" sz="2000">
                 <a:solidFill>
@@ -7639,16 +7920,7 @@
                 </a:solidFill>
                 <a:sym typeface="+mn-ea"/>
               </a:rPr>
-              <a:t>      单线程、</a:t>
-            </a:r>
-            <a:r>
-              <a:rPr lang="zh-CN" altLang="en-US" sz="2000">
-                <a:solidFill>
-                  <a:schemeClr val="bg1"/>
-                </a:solidFill>
-                <a:sym typeface="+mn-ea"/>
-              </a:rPr>
-              <a:t>非阻塞I/O （non-blocking I/O）、事件驱动/事件循环</a:t>
+              <a:t>非阻塞I/O 、事件驱动/事件循环</a:t>
             </a:r>
             <a:endParaRPr lang="zh-CN" altLang="en-US" sz="2000">
               <a:solidFill>
@@ -7843,8 +8115,8 @@
         </p:nvSpPr>
         <p:spPr>
           <a:xfrm>
-            <a:off x="767715" y="1638935"/>
-            <a:ext cx="7607935" cy="4948555"/>
+            <a:off x="633730" y="1428115"/>
+            <a:ext cx="7597775" cy="5105400"/>
           </a:xfrm>
         </p:spPr>
         <p:txBody>
@@ -8029,7 +8301,7 @@
         </p:blipFill>
         <p:spPr>
           <a:xfrm>
-            <a:off x="3328035" y="1283970"/>
+            <a:off x="3414395" y="1171575"/>
             <a:ext cx="2487930" cy="2105660"/>
           </a:xfrm>
           <a:prstGeom prst="rect">
@@ -8181,7 +8453,7 @@
                 <a:ea typeface="微软雅黑" panose="020B0503020204020204" charset="-122"/>
                 <a:cs typeface="微软雅黑" panose="020B0503020204020204" charset="-122"/>
               </a:rPr>
-              <a:t>JavaScript语言的闭包特性非常方便。</a:t>
+              <a:t>JavaScript语言的闭包特性非常方便</a:t>
             </a:r>
             <a:endParaRPr lang="zh-CN" altLang="en-US" sz="2000">
               <a:solidFill>
@@ -8265,7 +8537,7 @@
                   <a:schemeClr val="bg1"/>
                 </a:solidFill>
               </a:rPr>
-              <a:t>NodeJS简介</a:t>
+              <a:t>NodeJS特点</a:t>
             </a:r>
             <a:endParaRPr lang="zh-CN" altLang="en-US" sz="3200">
               <a:solidFill>
@@ -8287,8 +8559,8 @@
         </p:nvSpPr>
         <p:spPr>
           <a:xfrm>
-            <a:off x="767715" y="1638935"/>
-            <a:ext cx="7607935" cy="4123690"/>
+            <a:off x="925195" y="1612265"/>
+            <a:ext cx="7450455" cy="3024505"/>
           </a:xfrm>
         </p:spPr>
         <p:txBody>
@@ -8310,7 +8582,7 @@
                 <a:ea typeface="微软雅黑" panose="020B0503020204020204" charset="-122"/>
                 <a:cs typeface="微软雅黑" panose="020B0503020204020204" charset="-122"/>
               </a:rPr>
-              <a:t>Node.js 是一个构建在Chrome浏览器V8引擎上的JavaScript 运行环境</a:t>
+              <a:t>构建在Chrome浏览器V8引擎上的JavaScript 运行环境</a:t>
             </a:r>
             <a:endParaRPr lang="zh-CN" altLang="en-US" sz="2000">
               <a:solidFill>
@@ -8337,8 +8609,9 @@
                 <a:latin typeface="微软雅黑" panose="020B0503020204020204" charset="-122"/>
                 <a:ea typeface="微软雅黑" panose="020B0503020204020204" charset="-122"/>
                 <a:cs typeface="微软雅黑" panose="020B0503020204020204" charset="-122"/>
+                <a:sym typeface="+mn-ea"/>
               </a:rPr>
-              <a:t>Node.js 使用了事件驱动、非阻塞I/O模型，这些都使它轻量、好用。</a:t>
+              <a:t>非阻塞I/O模型</a:t>
             </a:r>
             <a:endParaRPr lang="zh-CN" altLang="en-US" sz="2000">
               <a:solidFill>
@@ -8347,6 +8620,7 @@
               <a:latin typeface="微软雅黑" panose="020B0503020204020204" charset="-122"/>
               <a:ea typeface="微软雅黑" panose="020B0503020204020204" charset="-122"/>
               <a:cs typeface="微软雅黑" panose="020B0503020204020204" charset="-122"/>
+              <a:sym typeface="+mn-ea"/>
             </a:endParaRPr>
           </a:p>
           <a:p>
@@ -8365,9 +8639,87 @@
                 <a:latin typeface="微软雅黑" panose="020B0503020204020204" charset="-122"/>
                 <a:ea typeface="微软雅黑" panose="020B0503020204020204" charset="-122"/>
                 <a:cs typeface="微软雅黑" panose="020B0503020204020204" charset="-122"/>
+                <a:sym typeface="+mn-ea"/>
               </a:rPr>
-              <a:t>Node.js 的包生态（npm）, 是世界上最大的开源库生态系统</a:t>
-            </a:r>
+              <a:t>事件驱动</a:t>
+            </a:r>
+            <a:endParaRPr lang="zh-CN" altLang="en-US" sz="2000">
+              <a:solidFill>
+                <a:schemeClr val="bg1"/>
+              </a:solidFill>
+              <a:latin typeface="微软雅黑" panose="020B0503020204020204" charset="-122"/>
+              <a:ea typeface="微软雅黑" panose="020B0503020204020204" charset="-122"/>
+              <a:cs typeface="微软雅黑" panose="020B0503020204020204" charset="-122"/>
+              <a:sym typeface="+mn-ea"/>
+            </a:endParaRPr>
+          </a:p>
+          <a:p>
+            <a:pPr marL="514350" indent="-514350" algn="l">
+              <a:lnSpc>
+                <a:spcPct val="140000"/>
+              </a:lnSpc>
+              <a:buFont typeface="Wingdings" panose="05000000000000000000" charset="0"/>
+              <a:buChar char="l"/>
+            </a:pPr>
+            <a:r>
+              <a:rPr lang="zh-CN" altLang="en-US" sz="2000">
+                <a:solidFill>
+                  <a:schemeClr val="bg1"/>
+                </a:solidFill>
+                <a:latin typeface="微软雅黑" panose="020B0503020204020204" charset="-122"/>
+                <a:ea typeface="微软雅黑" panose="020B0503020204020204" charset="-122"/>
+                <a:cs typeface="微软雅黑" panose="020B0503020204020204" charset="-122"/>
+                <a:sym typeface="+mn-ea"/>
+              </a:rPr>
+              <a:t>没有服务器架构</a:t>
+            </a:r>
+            <a:endParaRPr lang="zh-CN" altLang="en-US" sz="2000">
+              <a:solidFill>
+                <a:schemeClr val="bg1"/>
+              </a:solidFill>
+              <a:latin typeface="微软雅黑" panose="020B0503020204020204" charset="-122"/>
+              <a:ea typeface="微软雅黑" panose="020B0503020204020204" charset="-122"/>
+              <a:cs typeface="微软雅黑" panose="020B0503020204020204" charset="-122"/>
+              <a:sym typeface="+mn-ea"/>
+            </a:endParaRPr>
+          </a:p>
+          <a:p>
+            <a:pPr marL="514350" indent="-514350" algn="l">
+              <a:lnSpc>
+                <a:spcPct val="140000"/>
+              </a:lnSpc>
+              <a:buFont typeface="Wingdings" panose="05000000000000000000" charset="0"/>
+              <a:buChar char="l"/>
+            </a:pPr>
+            <a:r>
+              <a:rPr lang="zh-CN" altLang="en-US" sz="2000">
+                <a:solidFill>
+                  <a:schemeClr val="bg1"/>
+                </a:solidFill>
+                <a:latin typeface="微软雅黑" panose="020B0503020204020204" charset="-122"/>
+                <a:ea typeface="微软雅黑" panose="020B0503020204020204" charset="-122"/>
+                <a:cs typeface="微软雅黑" panose="020B0503020204020204" charset="-122"/>
+                <a:sym typeface="+mn-ea"/>
+              </a:rPr>
+              <a:t>花最小的硬件成本，追求更高的并发，更高的处理性能</a:t>
+            </a:r>
+            <a:endParaRPr lang="zh-CN" altLang="en-US" sz="2000">
+              <a:solidFill>
+                <a:schemeClr val="bg1"/>
+              </a:solidFill>
+              <a:latin typeface="微软雅黑" panose="020B0503020204020204" charset="-122"/>
+              <a:ea typeface="微软雅黑" panose="020B0503020204020204" charset="-122"/>
+              <a:cs typeface="微软雅黑" panose="020B0503020204020204" charset="-122"/>
+              <a:sym typeface="+mn-ea"/>
+            </a:endParaRPr>
+          </a:p>
+          <a:p>
+            <a:pPr algn="l">
+              <a:lnSpc>
+                <a:spcPct val="140000"/>
+              </a:lnSpc>
+              <a:buFont typeface="Wingdings" panose="05000000000000000000" charset="0"/>
+            </a:pPr>
             <a:endParaRPr lang="zh-CN" altLang="en-US" sz="2000">
               <a:solidFill>
                 <a:schemeClr val="bg1"/>

--- a/ppt/聊一下NodeJS.pptx
+++ b/ppt/聊一下NodeJS.pptx
@@ -7210,7 +7210,7 @@
       </p:sp>
       <p:pic>
         <p:nvPicPr>
-          <p:cNvPr id="3" name="图片 2"/>
+          <p:cNvPr id="2" name="图片 1"/>
           <p:cNvPicPr>
             <a:picLocks noChangeAspect="1"/>
           </p:cNvPicPr>
@@ -7224,8 +7224,8 @@
         </p:blipFill>
         <p:spPr>
           <a:xfrm>
-            <a:off x="266700" y="1757045"/>
-            <a:ext cx="3919220" cy="3735070"/>
+            <a:off x="149860" y="1707515"/>
+            <a:ext cx="4600575" cy="4381500"/>
           </a:xfrm>
           <a:prstGeom prst="rect">
             <a:avLst/>
@@ -7234,7 +7234,7 @@
       </p:pic>
       <p:pic>
         <p:nvPicPr>
-          <p:cNvPr id="5" name="图片 4"/>
+          <p:cNvPr id="6" name="图片 5"/>
           <p:cNvPicPr>
             <a:picLocks noChangeAspect="1"/>
           </p:cNvPicPr>
@@ -7248,8 +7248,8 @@
         </p:blipFill>
         <p:spPr>
           <a:xfrm>
-            <a:off x="4632960" y="1491615"/>
-            <a:ext cx="3543300" cy="4843145"/>
+            <a:off x="5118100" y="1355090"/>
+            <a:ext cx="3724275" cy="5086350"/>
           </a:xfrm>
           <a:prstGeom prst="rect">
             <a:avLst/>
@@ -7389,7 +7389,7 @@
       <p:grpSpPr/>
       <p:pic>
         <p:nvPicPr>
-          <p:cNvPr id="2" name="图片 1"/>
+          <p:cNvPr id="3" name="图片 2"/>
           <p:cNvPicPr>
             <a:picLocks noChangeAspect="1"/>
           </p:cNvPicPr>
@@ -7403,8 +7403,8 @@
         </p:blipFill>
         <p:spPr>
           <a:xfrm>
-            <a:off x="60960" y="521970"/>
-            <a:ext cx="9022715" cy="5813425"/>
+            <a:off x="40005" y="393065"/>
+            <a:ext cx="9063990" cy="5843270"/>
           </a:xfrm>
           <a:prstGeom prst="rect">
             <a:avLst/>
@@ -7835,7 +7835,7 @@
                   <a:schemeClr val="bg1"/>
                 </a:solidFill>
               </a:rPr>
-              <a:t>目录</a:t>
+              <a:t>内容</a:t>
             </a:r>
             <a:endParaRPr lang="zh-CN" altLang="en-US" sz="3200">
               <a:solidFill>
@@ -7911,18 +7911,80 @@
                 </a:solidFill>
                 <a:sym typeface="+mn-ea"/>
               </a:rPr>
-              <a:t>Node.js单线程实现高并发原理：单线程、</a:t>
-            </a:r>
-            <a:r>
-              <a:rPr lang="zh-CN" altLang="en-US" sz="2000">
+              <a:t>Node.js单线程实现高并发原理：</a:t>
+            </a:r>
+            <a:endParaRPr lang="zh-CN" altLang="en-US" sz="2000">
+              <a:solidFill>
+                <a:schemeClr val="bg1"/>
+              </a:solidFill>
+              <a:sym typeface="+mn-ea"/>
+            </a:endParaRPr>
+          </a:p>
+          <a:p>
+            <a:pPr marL="742950" lvl="1" indent="-285750" algn="l">
+              <a:lnSpc>
+                <a:spcPct val="140000"/>
+              </a:lnSpc>
+              <a:buFont typeface="Wingdings" panose="05000000000000000000" charset="0"/>
+              <a:buChar char="ü"/>
+            </a:pPr>
+            <a:r>
+              <a:rPr lang="zh-CN" altLang="en-US" sz="1665">
                 <a:solidFill>
                   <a:schemeClr val="bg1"/>
                 </a:solidFill>
                 <a:sym typeface="+mn-ea"/>
               </a:rPr>
-              <a:t>非阻塞I/O 、事件驱动/事件循环</a:t>
-            </a:r>
-            <a:endParaRPr lang="zh-CN" altLang="en-US" sz="2000">
+              <a:t>单线程</a:t>
+            </a:r>
+            <a:endParaRPr lang="zh-CN" altLang="en-US" sz="1665">
+              <a:solidFill>
+                <a:schemeClr val="bg1"/>
+              </a:solidFill>
+              <a:sym typeface="+mn-ea"/>
+            </a:endParaRPr>
+          </a:p>
+          <a:p>
+            <a:pPr marL="742950" lvl="1" indent="-285750" algn="l">
+              <a:lnSpc>
+                <a:spcPct val="140000"/>
+              </a:lnSpc>
+              <a:buFont typeface="Wingdings" panose="05000000000000000000" charset="0"/>
+              <a:buChar char="ü"/>
+            </a:pPr>
+            <a:r>
+              <a:rPr lang="zh-CN" altLang="en-US" sz="1660">
+                <a:solidFill>
+                  <a:schemeClr val="bg1"/>
+                </a:solidFill>
+                <a:sym typeface="+mn-ea"/>
+              </a:rPr>
+              <a:t>非阻塞I/O （non-blocking I/O）</a:t>
+            </a:r>
+            <a:endParaRPr lang="zh-CN" altLang="en-US" sz="1660">
+              <a:solidFill>
+                <a:schemeClr val="bg1"/>
+              </a:solidFill>
+            </a:endParaRPr>
+          </a:p>
+          <a:p>
+            <a:pPr marL="742950" lvl="1" indent="-285750" algn="l">
+              <a:lnSpc>
+                <a:spcPct val="140000"/>
+              </a:lnSpc>
+              <a:buFont typeface="Wingdings" panose="05000000000000000000" charset="0"/>
+              <a:buChar char="ü"/>
+            </a:pPr>
+            <a:r>
+              <a:rPr lang="zh-CN" altLang="en-US" sz="1665">
+                <a:solidFill>
+                  <a:schemeClr val="bg1"/>
+                </a:solidFill>
+                <a:sym typeface="+mn-ea"/>
+              </a:rPr>
+              <a:t>事件驱动/事件循环</a:t>
+            </a:r>
+            <a:endParaRPr lang="zh-CN" altLang="en-US" sz="1665">
               <a:solidFill>
                 <a:schemeClr val="bg1"/>
               </a:solidFill>
@@ -8092,13 +8154,17 @@
                 <a:solidFill>
                   <a:schemeClr val="bg1"/>
                 </a:solidFill>
+                <a:sym typeface="+mn-ea"/>
               </a:rPr>
-              <a:t>NodeJS的诞生</a:t>
-            </a:r>
-            <a:endParaRPr lang="zh-CN" altLang="en-US" sz="3200">
+              <a:t>Node.js的诞生</a:t>
+            </a:r>
+            <a:endParaRPr lang="en-US" altLang="zh-CN" sz="3200">
               <a:solidFill>
                 <a:schemeClr val="bg1"/>
               </a:solidFill>
+              <a:latin typeface="微软雅黑" panose="020B0503020204020204" charset="-122"/>
+              <a:ea typeface="微软雅黑" panose="020B0503020204020204" charset="-122"/>
+              <a:cs typeface="微软雅黑" panose="020B0503020204020204" charset="-122"/>
             </a:endParaRPr>
           </a:p>
         </p:txBody>
@@ -8207,6 +8273,57 @@
               <a:buFont typeface="Wingdings" panose="05000000000000000000" charset="0"/>
               <a:buChar char="l"/>
             </a:pPr>
+            <a:endParaRPr lang="zh-CN" altLang="en-US">
+              <a:solidFill>
+                <a:schemeClr val="bg1"/>
+              </a:solidFill>
+              <a:latin typeface="微软雅黑" panose="020B0503020204020204" charset="-122"/>
+              <a:ea typeface="微软雅黑" panose="020B0503020204020204" charset="-122"/>
+              <a:cs typeface="微软雅黑" panose="020B0503020204020204" charset="-122"/>
+            </a:endParaRPr>
+          </a:p>
+          <a:p>
+            <a:pPr marL="514350" indent="-514350" algn="l">
+              <a:lnSpc>
+                <a:spcPct val="140000"/>
+              </a:lnSpc>
+              <a:buFont typeface="Wingdings" panose="05000000000000000000" charset="0"/>
+              <a:buChar char="l"/>
+            </a:pPr>
+            <a:endParaRPr lang="zh-CN" altLang="en-US">
+              <a:solidFill>
+                <a:schemeClr val="bg1"/>
+              </a:solidFill>
+              <a:latin typeface="微软雅黑" panose="020B0503020204020204" charset="-122"/>
+              <a:ea typeface="微软雅黑" panose="020B0503020204020204" charset="-122"/>
+              <a:cs typeface="微软雅黑" panose="020B0503020204020204" charset="-122"/>
+            </a:endParaRPr>
+          </a:p>
+          <a:p>
+            <a:pPr marL="514350" indent="-514350" algn="l">
+              <a:lnSpc>
+                <a:spcPct val="140000"/>
+              </a:lnSpc>
+              <a:buFont typeface="Wingdings" panose="05000000000000000000" charset="0"/>
+              <a:buChar char="l"/>
+            </a:pPr>
+            <a:endParaRPr lang="zh-CN" altLang="en-US">
+              <a:solidFill>
+                <a:schemeClr val="bg1"/>
+              </a:solidFill>
+              <a:latin typeface="微软雅黑" panose="020B0503020204020204" charset="-122"/>
+              <a:ea typeface="微软雅黑" panose="020B0503020204020204" charset="-122"/>
+              <a:cs typeface="微软雅黑" panose="020B0503020204020204" charset="-122"/>
+            </a:endParaRPr>
+          </a:p>
+          <a:p>
+            <a:pPr marL="514350" indent="-514350" algn="l">
+              <a:lnSpc>
+                <a:spcPct val="140000"/>
+              </a:lnSpc>
+              <a:buFont typeface="Wingdings" panose="05000000000000000000" charset="0"/>
+              <a:buChar char="l"/>
+            </a:pPr>
             <a:r>
               <a:rPr lang="zh-CN" altLang="en-US">
                 <a:solidFill>
@@ -8235,45 +8352,6 @@
               <a:buFont typeface="Wingdings" panose="05000000000000000000" charset="0"/>
               <a:buChar char="l"/>
             </a:pPr>
-            <a:r>
-              <a:rPr lang="zh-CN" altLang="en-US">
-                <a:solidFill>
-                  <a:schemeClr val="bg1"/>
-                </a:solidFill>
-                <a:latin typeface="微软雅黑" panose="020B0503020204020204" charset="-122"/>
-                <a:ea typeface="微软雅黑" panose="020B0503020204020204" charset="-122"/>
-                <a:cs typeface="微软雅黑" panose="020B0503020204020204" charset="-122"/>
-              </a:rPr>
-              <a:t>2008年Google发明了Chrome浏览器，使用V8引擎来解析JS程序满足了他的想象。</a:t>
-            </a:r>
-            <a:endParaRPr lang="zh-CN" altLang="en-US">
-              <a:solidFill>
-                <a:schemeClr val="bg1"/>
-              </a:solidFill>
-              <a:latin typeface="微软雅黑" panose="020B0503020204020204" charset="-122"/>
-              <a:ea typeface="微软雅黑" panose="020B0503020204020204" charset="-122"/>
-              <a:cs typeface="微软雅黑" panose="020B0503020204020204" charset="-122"/>
-            </a:endParaRPr>
-          </a:p>
-          <a:p>
-            <a:pPr marL="514350" indent="-514350" algn="l">
-              <a:lnSpc>
-                <a:spcPct val="150000"/>
-              </a:lnSpc>
-              <a:buFont typeface="Wingdings" panose="05000000000000000000" charset="0"/>
-              <a:buChar char="l"/>
-            </a:pPr>
-            <a:r>
-              <a:rPr lang="zh-CN" altLang="en-US">
-                <a:solidFill>
-                  <a:schemeClr val="bg1"/>
-                </a:solidFill>
-                <a:latin typeface="微软雅黑" panose="020B0503020204020204" charset="-122"/>
-                <a:ea typeface="微软雅黑" panose="020B0503020204020204" charset="-122"/>
-                <a:cs typeface="微软雅黑" panose="020B0503020204020204" charset="-122"/>
-              </a:rPr>
-              <a:t>Rydan Dahl 就把V8移植到了服务器端，2009年底，Ryan Dahl  JSConf EU会议上发表关于Node.js的演讲，之后Node.js逐渐流行于世。</a:t>
-            </a:r>
             <a:endParaRPr lang="zh-CN" altLang="en-US">
               <a:solidFill>
                 <a:schemeClr val="bg1"/>
@@ -8301,8 +8379,8 @@
         </p:blipFill>
         <p:spPr>
           <a:xfrm>
-            <a:off x="3414395" y="1171575"/>
-            <a:ext cx="2487930" cy="2105660"/>
+            <a:off x="3149600" y="1460500"/>
+            <a:ext cx="3235325" cy="2738120"/>
           </a:xfrm>
           <a:prstGeom prst="rect">
             <a:avLst/>
@@ -8351,10 +8429,11 @@
                 <a:solidFill>
                   <a:schemeClr val="bg1"/>
                 </a:solidFill>
+                <a:sym typeface="+mn-ea"/>
               </a:rPr>
-              <a:t>V8引擎的优势</a:t>
-            </a:r>
-            <a:endParaRPr lang="zh-CN" altLang="en-US" sz="3200">
+              <a:t>Node.js的诞生</a:t>
+            </a:r>
+            <a:endParaRPr lang="en-US" altLang="zh-CN" sz="3200">
               <a:solidFill>
                 <a:schemeClr val="bg1"/>
               </a:solidFill>
@@ -8380,6 +8459,181 @@
         </p:spPr>
         <p:txBody>
           <a:bodyPr/>
+          <a:p>
+            <a:pPr marL="514350" indent="-514350" algn="l">
+              <a:lnSpc>
+                <a:spcPct val="150000"/>
+              </a:lnSpc>
+              <a:buFont typeface="Wingdings" panose="05000000000000000000" charset="0"/>
+              <a:buChar char="l"/>
+            </a:pPr>
+            <a:r>
+              <a:rPr lang="zh-CN" altLang="en-US" sz="2000">
+                <a:solidFill>
+                  <a:schemeClr val="bg1"/>
+                </a:solidFill>
+                <a:latin typeface="微软雅黑" panose="020B0503020204020204" charset="-122"/>
+                <a:ea typeface="微软雅黑" panose="020B0503020204020204" charset="-122"/>
+                <a:cs typeface="微软雅黑" panose="020B0503020204020204" charset="-122"/>
+                <a:sym typeface="+mn-ea"/>
+              </a:rPr>
+              <a:t>2008年Google发明了Chrome浏览器，使用V8引擎来解析JS程序满足了他的想象。</a:t>
+            </a:r>
+            <a:endParaRPr lang="zh-CN" altLang="en-US" sz="2000">
+              <a:solidFill>
+                <a:schemeClr val="bg1"/>
+              </a:solidFill>
+              <a:latin typeface="微软雅黑" panose="020B0503020204020204" charset="-122"/>
+              <a:ea typeface="微软雅黑" panose="020B0503020204020204" charset="-122"/>
+              <a:cs typeface="微软雅黑" panose="020B0503020204020204" charset="-122"/>
+              <a:sym typeface="+mn-ea"/>
+            </a:endParaRPr>
+          </a:p>
+          <a:p>
+            <a:pPr marL="971550" lvl="1" indent="-514350" algn="l">
+              <a:lnSpc>
+                <a:spcPct val="140000"/>
+              </a:lnSpc>
+              <a:buFont typeface="Wingdings" panose="05000000000000000000" charset="0"/>
+              <a:buChar char="ü"/>
+            </a:pPr>
+            <a:r>
+              <a:rPr lang="zh-CN" altLang="en-US" sz="1380">
+                <a:solidFill>
+                  <a:schemeClr val="bg1"/>
+                </a:solidFill>
+                <a:latin typeface="微软雅黑" panose="020B0503020204020204" charset="-122"/>
+                <a:ea typeface="微软雅黑" panose="020B0503020204020204" charset="-122"/>
+                <a:cs typeface="微软雅黑" panose="020B0503020204020204" charset="-122"/>
+                <a:sym typeface="+mn-ea"/>
+              </a:rPr>
+              <a:t>历史遗留问题少，都是异步I/O</a:t>
+            </a:r>
+            <a:endParaRPr lang="zh-CN" altLang="en-US" sz="1380">
+              <a:solidFill>
+                <a:schemeClr val="bg1"/>
+              </a:solidFill>
+              <a:latin typeface="微软雅黑" panose="020B0503020204020204" charset="-122"/>
+              <a:ea typeface="微软雅黑" panose="020B0503020204020204" charset="-122"/>
+              <a:cs typeface="微软雅黑" panose="020B0503020204020204" charset="-122"/>
+            </a:endParaRPr>
+          </a:p>
+          <a:p>
+            <a:pPr marL="971550" lvl="1" indent="-514350" algn="l">
+              <a:lnSpc>
+                <a:spcPct val="140000"/>
+              </a:lnSpc>
+              <a:buFont typeface="Wingdings" panose="05000000000000000000" charset="0"/>
+              <a:buChar char="ü"/>
+            </a:pPr>
+            <a:r>
+              <a:rPr lang="zh-CN" altLang="en-US" sz="1380">
+                <a:solidFill>
+                  <a:schemeClr val="bg1"/>
+                </a:solidFill>
+                <a:latin typeface="微软雅黑" panose="020B0503020204020204" charset="-122"/>
+                <a:ea typeface="微软雅黑" panose="020B0503020204020204" charset="-122"/>
+                <a:cs typeface="微软雅黑" panose="020B0503020204020204" charset="-122"/>
+                <a:sym typeface="+mn-ea"/>
+              </a:rPr>
+              <a:t>强大的编译和快速执行效率（通过运用大量算法和技巧）远超Python和ruby等脚本语言</a:t>
+            </a:r>
+            <a:endParaRPr lang="zh-CN" altLang="en-US" sz="1380">
+              <a:solidFill>
+                <a:schemeClr val="bg1"/>
+              </a:solidFill>
+              <a:latin typeface="微软雅黑" panose="020B0503020204020204" charset="-122"/>
+              <a:ea typeface="微软雅黑" panose="020B0503020204020204" charset="-122"/>
+              <a:cs typeface="微软雅黑" panose="020B0503020204020204" charset="-122"/>
+            </a:endParaRPr>
+          </a:p>
+          <a:p>
+            <a:pPr marL="971550" lvl="1" indent="-514350" algn="l">
+              <a:lnSpc>
+                <a:spcPct val="140000"/>
+              </a:lnSpc>
+              <a:buFont typeface="Wingdings" panose="05000000000000000000" charset="0"/>
+              <a:buChar char="ü"/>
+            </a:pPr>
+            <a:r>
+              <a:rPr lang="zh-CN" altLang="en-US" sz="1380">
+                <a:solidFill>
+                  <a:schemeClr val="bg1"/>
+                </a:solidFill>
+                <a:latin typeface="微软雅黑" panose="020B0503020204020204" charset="-122"/>
+                <a:ea typeface="微软雅黑" panose="020B0503020204020204" charset="-122"/>
+                <a:cs typeface="微软雅黑" panose="020B0503020204020204" charset="-122"/>
+                <a:sym typeface="+mn-ea"/>
+              </a:rPr>
+              <a:t>JavaScript语言的闭包特性非常方便</a:t>
+            </a:r>
+            <a:endParaRPr lang="zh-CN" altLang="en-US" sz="1380">
+              <a:solidFill>
+                <a:schemeClr val="bg1"/>
+              </a:solidFill>
+              <a:latin typeface="微软雅黑" panose="020B0503020204020204" charset="-122"/>
+              <a:ea typeface="微软雅黑" panose="020B0503020204020204" charset="-122"/>
+              <a:cs typeface="微软雅黑" panose="020B0503020204020204" charset="-122"/>
+            </a:endParaRPr>
+          </a:p>
+          <a:p>
+            <a:pPr marL="971550" lvl="1" indent="-514350" algn="l">
+              <a:lnSpc>
+                <a:spcPct val="140000"/>
+              </a:lnSpc>
+              <a:buFont typeface="Wingdings" panose="05000000000000000000" charset="0"/>
+              <a:buChar char="ü"/>
+            </a:pPr>
+            <a:r>
+              <a:rPr lang="zh-CN" altLang="en-US" sz="1380">
+                <a:solidFill>
+                  <a:schemeClr val="bg1"/>
+                </a:solidFill>
+                <a:latin typeface="微软雅黑" panose="020B0503020204020204" charset="-122"/>
+                <a:ea typeface="微软雅黑" panose="020B0503020204020204" charset="-122"/>
+                <a:cs typeface="微软雅黑" panose="020B0503020204020204" charset="-122"/>
+                <a:sym typeface="+mn-ea"/>
+              </a:rPr>
+              <a:t>利用事件驱动机制</a:t>
+            </a:r>
+            <a:endParaRPr lang="zh-CN" altLang="en-US" sz="2000">
+              <a:solidFill>
+                <a:schemeClr val="bg1"/>
+              </a:solidFill>
+              <a:latin typeface="微软雅黑" panose="020B0503020204020204" charset="-122"/>
+              <a:ea typeface="微软雅黑" panose="020B0503020204020204" charset="-122"/>
+              <a:cs typeface="微软雅黑" panose="020B0503020204020204" charset="-122"/>
+            </a:endParaRPr>
+          </a:p>
+          <a:p>
+            <a:pPr marL="514350" indent="-514350" algn="l">
+              <a:lnSpc>
+                <a:spcPct val="150000"/>
+              </a:lnSpc>
+              <a:buFont typeface="Wingdings" panose="05000000000000000000" charset="0"/>
+              <a:buChar char="l"/>
+            </a:pPr>
+            <a:r>
+              <a:rPr lang="zh-CN" altLang="en-US" sz="2000">
+                <a:solidFill>
+                  <a:schemeClr val="bg1"/>
+                </a:solidFill>
+                <a:latin typeface="微软雅黑" panose="020B0503020204020204" charset="-122"/>
+                <a:ea typeface="微软雅黑" panose="020B0503020204020204" charset="-122"/>
+                <a:cs typeface="微软雅黑" panose="020B0503020204020204" charset="-122"/>
+                <a:sym typeface="+mn-ea"/>
+              </a:rPr>
+              <a:t>Rydan Dahl 就把V8移植到了服务器端，2009年底，Ryan Dahl  JSConf EU会议上发表关于Node.js的演讲，之后Node.js逐渐流行于世。</a:t>
+            </a:r>
+            <a:endParaRPr lang="zh-CN" altLang="en-US" sz="2000">
+              <a:solidFill>
+                <a:schemeClr val="bg1"/>
+              </a:solidFill>
+              <a:latin typeface="微软雅黑" panose="020B0503020204020204" charset="-122"/>
+              <a:ea typeface="微软雅黑" panose="020B0503020204020204" charset="-122"/>
+              <a:cs typeface="微软雅黑" panose="020B0503020204020204" charset="-122"/>
+            </a:endParaRPr>
+          </a:p>
           <a:p>
             <a:pPr marL="514350" indent="-514350" algn="l">
               <a:lnSpc>
@@ -8388,17 +8642,6 @@
               <a:buFont typeface="Wingdings" panose="05000000000000000000" charset="0"/>
               <a:buChar char="l"/>
             </a:pPr>
-            <a:r>
-              <a:rPr lang="zh-CN" altLang="en-US" sz="2000">
-                <a:solidFill>
-                  <a:schemeClr val="bg1"/>
-                </a:solidFill>
-                <a:latin typeface="微软雅黑" panose="020B0503020204020204" charset="-122"/>
-                <a:ea typeface="微软雅黑" panose="020B0503020204020204" charset="-122"/>
-                <a:cs typeface="微软雅黑" panose="020B0503020204020204" charset="-122"/>
-              </a:rPr>
-              <a:t>历史遗留问题少，都是异步I/O</a:t>
-            </a:r>
             <a:endParaRPr lang="zh-CN" altLang="en-US" sz="2000">
               <a:solidFill>
                 <a:schemeClr val="bg1"/>
@@ -8409,6 +8652,22 @@
             </a:endParaRPr>
           </a:p>
           <a:p>
+            <a:pPr algn="l">
+              <a:lnSpc>
+                <a:spcPct val="140000"/>
+              </a:lnSpc>
+              <a:buFont typeface="Wingdings" panose="05000000000000000000" charset="0"/>
+            </a:pPr>
+            <a:endParaRPr lang="zh-CN" altLang="en-US" sz="2000">
+              <a:solidFill>
+                <a:schemeClr val="bg1"/>
+              </a:solidFill>
+              <a:latin typeface="微软雅黑" panose="020B0503020204020204" charset="-122"/>
+              <a:ea typeface="微软雅黑" panose="020B0503020204020204" charset="-122"/>
+              <a:cs typeface="微软雅黑" panose="020B0503020204020204" charset="-122"/>
+            </a:endParaRPr>
+          </a:p>
+          <a:p>
             <a:pPr marL="514350" indent="-514350" algn="l">
               <a:lnSpc>
                 <a:spcPct val="140000"/>
@@ -8416,73 +8675,6 @@
               <a:buFont typeface="Wingdings" panose="05000000000000000000" charset="0"/>
               <a:buChar char="l"/>
             </a:pPr>
-            <a:r>
-              <a:rPr lang="zh-CN" altLang="en-US" sz="2000">
-                <a:solidFill>
-                  <a:schemeClr val="bg1"/>
-                </a:solidFill>
-                <a:latin typeface="微软雅黑" panose="020B0503020204020204" charset="-122"/>
-                <a:ea typeface="微软雅黑" panose="020B0503020204020204" charset="-122"/>
-                <a:cs typeface="微软雅黑" panose="020B0503020204020204" charset="-122"/>
-              </a:rPr>
-              <a:t>强大的编译和快速执行效率（通过运用大量算法和技巧）远超Python和ruby等脚本语言</a:t>
-            </a:r>
-            <a:endParaRPr lang="zh-CN" altLang="en-US" sz="2000">
-              <a:solidFill>
-                <a:schemeClr val="bg1"/>
-              </a:solidFill>
-              <a:latin typeface="微软雅黑" panose="020B0503020204020204" charset="-122"/>
-              <a:ea typeface="微软雅黑" panose="020B0503020204020204" charset="-122"/>
-              <a:cs typeface="微软雅黑" panose="020B0503020204020204" charset="-122"/>
-            </a:endParaRPr>
-          </a:p>
-          <a:p>
-            <a:pPr marL="514350" indent="-514350" algn="l">
-              <a:lnSpc>
-                <a:spcPct val="140000"/>
-              </a:lnSpc>
-              <a:buFont typeface="Wingdings" panose="05000000000000000000" charset="0"/>
-              <a:buChar char="l"/>
-            </a:pPr>
-            <a:r>
-              <a:rPr lang="zh-CN" altLang="en-US" sz="2000">
-                <a:solidFill>
-                  <a:schemeClr val="bg1"/>
-                </a:solidFill>
-                <a:latin typeface="微软雅黑" panose="020B0503020204020204" charset="-122"/>
-                <a:ea typeface="微软雅黑" panose="020B0503020204020204" charset="-122"/>
-                <a:cs typeface="微软雅黑" panose="020B0503020204020204" charset="-122"/>
-              </a:rPr>
-              <a:t>JavaScript语言的闭包特性非常方便</a:t>
-            </a:r>
-            <a:endParaRPr lang="zh-CN" altLang="en-US" sz="2000">
-              <a:solidFill>
-                <a:schemeClr val="bg1"/>
-              </a:solidFill>
-              <a:latin typeface="微软雅黑" panose="020B0503020204020204" charset="-122"/>
-              <a:ea typeface="微软雅黑" panose="020B0503020204020204" charset="-122"/>
-              <a:cs typeface="微软雅黑" panose="020B0503020204020204" charset="-122"/>
-            </a:endParaRPr>
-          </a:p>
-          <a:p>
-            <a:pPr marL="514350" indent="-514350" algn="l">
-              <a:lnSpc>
-                <a:spcPct val="140000"/>
-              </a:lnSpc>
-              <a:buFont typeface="Wingdings" panose="05000000000000000000" charset="0"/>
-              <a:buChar char="l"/>
-            </a:pPr>
-            <a:r>
-              <a:rPr lang="zh-CN" altLang="en-US" sz="2000">
-                <a:solidFill>
-                  <a:schemeClr val="bg1"/>
-                </a:solidFill>
-                <a:latin typeface="微软雅黑" panose="020B0503020204020204" charset="-122"/>
-                <a:ea typeface="微软雅黑" panose="020B0503020204020204" charset="-122"/>
-                <a:cs typeface="微软雅黑" panose="020B0503020204020204" charset="-122"/>
-              </a:rPr>
-              <a:t>利用事件驱动机制</a:t>
-            </a:r>
             <a:endParaRPr lang="zh-CN" altLang="en-US" sz="2000">
               <a:solidFill>
                 <a:schemeClr val="bg1"/>
@@ -8537,9 +8729,9 @@
                   <a:schemeClr val="bg1"/>
                 </a:solidFill>
               </a:rPr>
-              <a:t>NodeJS特点</a:t>
-            </a:r>
-            <a:endParaRPr lang="zh-CN" altLang="en-US" sz="3200">
+              <a:t>NodeJS简介</a:t>
+            </a:r>
+            <a:endParaRPr lang="en-US" altLang="zh-CN" sz="3200">
               <a:solidFill>
                 <a:schemeClr val="bg1"/>
               </a:solidFill>
@@ -8642,36 +8834,6 @@
                 <a:sym typeface="+mn-ea"/>
               </a:rPr>
               <a:t>事件驱动</a:t>
-            </a:r>
-            <a:endParaRPr lang="zh-CN" altLang="en-US" sz="2000">
-              <a:solidFill>
-                <a:schemeClr val="bg1"/>
-              </a:solidFill>
-              <a:latin typeface="微软雅黑" panose="020B0503020204020204" charset="-122"/>
-              <a:ea typeface="微软雅黑" panose="020B0503020204020204" charset="-122"/>
-              <a:cs typeface="微软雅黑" panose="020B0503020204020204" charset="-122"/>
-              <a:sym typeface="+mn-ea"/>
-            </a:endParaRPr>
-          </a:p>
-          <a:p>
-            <a:pPr marL="514350" indent="-514350" algn="l">
-              <a:lnSpc>
-                <a:spcPct val="140000"/>
-              </a:lnSpc>
-              <a:buFont typeface="Wingdings" panose="05000000000000000000" charset="0"/>
-              <a:buChar char="l"/>
-            </a:pPr>
-            <a:r>
-              <a:rPr lang="zh-CN" altLang="en-US" sz="2000">
-                <a:solidFill>
-                  <a:schemeClr val="bg1"/>
-                </a:solidFill>
-                <a:latin typeface="微软雅黑" panose="020B0503020204020204" charset="-122"/>
-                <a:ea typeface="微软雅黑" panose="020B0503020204020204" charset="-122"/>
-                <a:cs typeface="微软雅黑" panose="020B0503020204020204" charset="-122"/>
-                <a:sym typeface="+mn-ea"/>
-              </a:rPr>
-              <a:t>没有服务器架构</a:t>
             </a:r>
             <a:endParaRPr lang="zh-CN" altLang="en-US" sz="2000">
               <a:solidFill>
@@ -8773,8 +8935,9 @@
                 <a:solidFill>
                   <a:schemeClr val="bg1"/>
                 </a:solidFill>
+                <a:sym typeface="+mn-ea"/>
               </a:rPr>
-              <a:t>Node.js 架构图  </a:t>
+              <a:t>NodeJS简介</a:t>
             </a:r>
             <a:endParaRPr lang="zh-CN" altLang="en-US" sz="3200">
               <a:solidFill>
@@ -8786,7 +8949,7 @@
       </p:sp>
       <p:pic>
         <p:nvPicPr>
-          <p:cNvPr id="1073742850" name="图片 1073742849" descr="IMG_256"/>
+          <p:cNvPr id="7" name="图片 6"/>
           <p:cNvPicPr>
             <a:picLocks noChangeAspect="1"/>
           </p:cNvPicPr>
@@ -8800,16 +8963,12 @@
         </p:blipFill>
         <p:spPr>
           <a:xfrm>
-            <a:off x="546735" y="1308735"/>
-            <a:ext cx="8223250" cy="5342890"/>
+            <a:off x="250190" y="1435100"/>
+            <a:ext cx="8643620" cy="5079365"/>
           </a:xfrm>
           <a:prstGeom prst="rect">
             <a:avLst/>
           </a:prstGeom>
-          <a:noFill/>
-          <a:ln w="9525">
-            <a:noFill/>
-          </a:ln>
         </p:spPr>
       </p:pic>
     </p:spTree>
@@ -8854,8 +9013,9 @@
                 <a:solidFill>
                   <a:schemeClr val="bg1"/>
                 </a:solidFill>
+                <a:sym typeface="+mn-ea"/>
               </a:rPr>
-              <a:t>与操作系统交互</a:t>
+              <a:t>NodeJS简介</a:t>
             </a:r>
             <a:endParaRPr lang="zh-CN" altLang="en-US" sz="3200">
               <a:solidFill>
@@ -8874,7 +9034,7 @@
         <p:spPr>
           <a:xfrm>
             <a:off x="1774190" y="1911350"/>
-            <a:ext cx="5958205" cy="2306955"/>
+            <a:ext cx="5958205" cy="829945"/>
           </a:xfrm>
           <a:prstGeom prst="rect">
             <a:avLst/>
@@ -8889,38 +9049,34 @@
             <a:endParaRPr lang="zh-CN" altLang="en-US" sz="2400"/>
           </a:p>
           <a:p>
-            <a:r>
-              <a:rPr lang="zh-CN" altLang="en-US" sz="2400"/>
-              <a:t>var fs = require('fs');</a:t>
-            </a:r>
             <a:endParaRPr lang="zh-CN" altLang="en-US" sz="2400"/>
           </a:p>
-          <a:p>
-            <a:endParaRPr lang="zh-CN" altLang="en-US" sz="2400"/>
-          </a:p>
-          <a:p>
-            <a:r>
-              <a:rPr lang="zh-CN" altLang="en-US" sz="2400"/>
-              <a:t>fs.open('./test.txt', "w", function(err, fd) {  </a:t>
-            </a:r>
-            <a:endParaRPr lang="zh-CN" altLang="en-US" sz="2400"/>
-          </a:p>
-          <a:p>
-            <a:r>
-              <a:rPr lang="zh-CN" altLang="en-US" sz="2400"/>
-              <a:t>   //..do something</a:t>
-            </a:r>
-            <a:endParaRPr lang="zh-CN" altLang="en-US" sz="2400"/>
-          </a:p>
-          <a:p>
-            <a:r>
-              <a:rPr lang="zh-CN" altLang="en-US" sz="2400"/>
-              <a:t>});</a:t>
-            </a:r>
-            <a:endParaRPr lang="zh-CN" altLang="en-US" sz="2400"/>
-          </a:p>
-        </p:txBody>
-      </p:sp>
+        </p:txBody>
+      </p:sp>
+      <p:pic>
+        <p:nvPicPr>
+          <p:cNvPr id="2" name="图片 1"/>
+          <p:cNvPicPr>
+            <a:picLocks noChangeAspect="1"/>
+          </p:cNvPicPr>
+          <p:nvPr/>
+        </p:nvPicPr>
+        <p:blipFill>
+          <a:blip r:embed="rId1"/>
+          <a:stretch>
+            <a:fillRect/>
+          </a:stretch>
+        </p:blipFill>
+        <p:spPr>
+          <a:xfrm>
+            <a:off x="149225" y="2538730"/>
+            <a:ext cx="8844915" cy="1779905"/>
+          </a:xfrm>
+          <a:prstGeom prst="rect">
+            <a:avLst/>
+          </a:prstGeom>
+        </p:spPr>
+      </p:pic>
     </p:spTree>
   </p:cSld>
   <p:clrMapOvr>
@@ -8963,8 +9119,9 @@
                 <a:solidFill>
                   <a:schemeClr val="bg1"/>
                 </a:solidFill>
+                <a:sym typeface="+mn-ea"/>
               </a:rPr>
-              <a:t>与操作系统交互</a:t>
+              <a:t>NodeJS简介</a:t>
             </a:r>
             <a:endParaRPr lang="zh-CN" altLang="en-US" sz="3200">
               <a:solidFill>

--- a/ppt/聊一下NodeJS.pptx
+++ b/ppt/聊一下NodeJS.pptx
@@ -6,24 +6,29 @@
     <p:sldMasterId id="2147483660" r:id="rId3"/>
   </p:sldMasterIdLst>
   <p:notesMasterIdLst>
-    <p:notesMasterId r:id="rId8"/>
+    <p:notesMasterId r:id="rId7"/>
   </p:notesMasterIdLst>
   <p:sldIdLst>
     <p:sldId id="256" r:id="rId4"/>
     <p:sldId id="272" r:id="rId5"/>
-    <p:sldId id="273" r:id="rId6"/>
-    <p:sldId id="261" r:id="rId7"/>
-    <p:sldId id="262" r:id="rId9"/>
-    <p:sldId id="263" r:id="rId10"/>
-    <p:sldId id="264" r:id="rId11"/>
-    <p:sldId id="265" r:id="rId12"/>
-    <p:sldId id="268" r:id="rId13"/>
-    <p:sldId id="266" r:id="rId14"/>
-    <p:sldId id="269" r:id="rId15"/>
-    <p:sldId id="267" r:id="rId16"/>
-    <p:sldId id="270" r:id="rId17"/>
-    <p:sldId id="271" r:id="rId18"/>
-    <p:sldId id="286" r:id="rId19"/>
+    <p:sldId id="287" r:id="rId6"/>
+    <p:sldId id="273" r:id="rId8"/>
+    <p:sldId id="261" r:id="rId9"/>
+    <p:sldId id="288" r:id="rId10"/>
+    <p:sldId id="262" r:id="rId11"/>
+    <p:sldId id="263" r:id="rId12"/>
+    <p:sldId id="264" r:id="rId13"/>
+    <p:sldId id="265" r:id="rId14"/>
+    <p:sldId id="268" r:id="rId15"/>
+    <p:sldId id="266" r:id="rId16"/>
+    <p:sldId id="269" r:id="rId17"/>
+    <p:sldId id="289" r:id="rId18"/>
+    <p:sldId id="267" r:id="rId19"/>
+    <p:sldId id="270" r:id="rId20"/>
+    <p:sldId id="290" r:id="rId21"/>
+    <p:sldId id="271" r:id="rId22"/>
+    <p:sldId id="286" r:id="rId23"/>
+    <p:sldId id="291" r:id="rId24"/>
   </p:sldIdLst>
   <p:sldSz cx="9144000" cy="6858000" type="screen4x3"/>
   <p:notesSz cx="6858000" cy="9144000"/>
@@ -695,6 +700,226 @@
 </file>
 
 <file path=ppt/notesSlides/notesSlide12.xml><?xml version="1.0" encoding="utf-8"?>
+<p:notes xmlns:a="http://schemas.openxmlformats.org/drawingml/2006/main" xmlns:r="http://schemas.openxmlformats.org/officeDocument/2006/relationships" xmlns:p="http://schemas.openxmlformats.org/presentationml/2006/main">
+  <p:cSld>
+    <p:spTree>
+      <p:nvGrpSpPr>
+        <p:cNvPr id="1" name=""/>
+        <p:cNvGrpSpPr/>
+        <p:nvPr/>
+      </p:nvGrpSpPr>
+      <p:grpSpPr/>
+      <p:sp>
+        <p:nvSpPr>
+          <p:cNvPr id="2" name="幻灯片图像占位符 1"/>
+          <p:cNvSpPr/>
+          <p:nvPr>
+            <p:ph type="sldImg" idx="2"/>
+          </p:nvPr>
+        </p:nvSpPr>
+        <p:spPr/>
+      </p:sp>
+      <p:sp>
+        <p:nvSpPr>
+          <p:cNvPr id="3" name="文本占位符 2"/>
+          <p:cNvSpPr/>
+          <p:nvPr>
+            <p:ph type="body" idx="3"/>
+          </p:nvPr>
+        </p:nvSpPr>
+        <p:spPr/>
+        <p:txBody>
+          <a:bodyPr/>
+          <a:p>
+            <a:endParaRPr lang="zh-CN" altLang="en-US"/>
+          </a:p>
+        </p:txBody>
+      </p:sp>
+    </p:spTree>
+  </p:cSld>
+  <p:clrMapOvr>
+    <a:masterClrMapping/>
+  </p:clrMapOvr>
+</p:notes>
+</file>
+
+<file path=ppt/notesSlides/notesSlide13.xml><?xml version="1.0" encoding="utf-8"?>
+<p:notes xmlns:a="http://schemas.openxmlformats.org/drawingml/2006/main" xmlns:r="http://schemas.openxmlformats.org/officeDocument/2006/relationships" xmlns:p="http://schemas.openxmlformats.org/presentationml/2006/main">
+  <p:cSld>
+    <p:spTree>
+      <p:nvGrpSpPr>
+        <p:cNvPr id="1" name=""/>
+        <p:cNvGrpSpPr/>
+        <p:nvPr/>
+      </p:nvGrpSpPr>
+      <p:grpSpPr/>
+      <p:sp>
+        <p:nvSpPr>
+          <p:cNvPr id="2" name="幻灯片图像占位符 1"/>
+          <p:cNvSpPr/>
+          <p:nvPr>
+            <p:ph type="sldImg" idx="2"/>
+          </p:nvPr>
+        </p:nvSpPr>
+        <p:spPr/>
+      </p:sp>
+      <p:sp>
+        <p:nvSpPr>
+          <p:cNvPr id="3" name="文本占位符 2"/>
+          <p:cNvSpPr/>
+          <p:nvPr>
+            <p:ph type="body" idx="3"/>
+          </p:nvPr>
+        </p:nvSpPr>
+        <p:spPr/>
+        <p:txBody>
+          <a:bodyPr/>
+          <a:p>
+            <a:endParaRPr lang="zh-CN" altLang="en-US"/>
+          </a:p>
+        </p:txBody>
+      </p:sp>
+    </p:spTree>
+  </p:cSld>
+  <p:clrMapOvr>
+    <a:masterClrMapping/>
+  </p:clrMapOvr>
+</p:notes>
+</file>
+
+<file path=ppt/notesSlides/notesSlide14.xml><?xml version="1.0" encoding="utf-8"?>
+<p:notes xmlns:a="http://schemas.openxmlformats.org/drawingml/2006/main" xmlns:r="http://schemas.openxmlformats.org/officeDocument/2006/relationships" xmlns:p="http://schemas.openxmlformats.org/presentationml/2006/main">
+  <p:cSld>
+    <p:spTree>
+      <p:nvGrpSpPr>
+        <p:cNvPr id="1" name=""/>
+        <p:cNvGrpSpPr/>
+        <p:nvPr/>
+      </p:nvGrpSpPr>
+      <p:grpSpPr/>
+      <p:sp>
+        <p:nvSpPr>
+          <p:cNvPr id="2" name="幻灯片图像占位符 1"/>
+          <p:cNvSpPr/>
+          <p:nvPr>
+            <p:ph type="sldImg" idx="2"/>
+          </p:nvPr>
+        </p:nvSpPr>
+        <p:spPr/>
+      </p:sp>
+      <p:sp>
+        <p:nvSpPr>
+          <p:cNvPr id="3" name="文本占位符 2"/>
+          <p:cNvSpPr/>
+          <p:nvPr>
+            <p:ph type="body" idx="3"/>
+          </p:nvPr>
+        </p:nvSpPr>
+        <p:spPr/>
+        <p:txBody>
+          <a:bodyPr/>
+          <a:p>
+            <a:endParaRPr lang="zh-CN" altLang="en-US"/>
+          </a:p>
+        </p:txBody>
+      </p:sp>
+    </p:spTree>
+  </p:cSld>
+  <p:clrMapOvr>
+    <a:masterClrMapping/>
+  </p:clrMapOvr>
+</p:notes>
+</file>
+
+<file path=ppt/notesSlides/notesSlide15.xml><?xml version="1.0" encoding="utf-8"?>
+<p:notes xmlns:a="http://schemas.openxmlformats.org/drawingml/2006/main" xmlns:r="http://schemas.openxmlformats.org/officeDocument/2006/relationships" xmlns:p="http://schemas.openxmlformats.org/presentationml/2006/main">
+  <p:cSld>
+    <p:spTree>
+      <p:nvGrpSpPr>
+        <p:cNvPr id="1" name=""/>
+        <p:cNvGrpSpPr/>
+        <p:nvPr/>
+      </p:nvGrpSpPr>
+      <p:grpSpPr/>
+      <p:sp>
+        <p:nvSpPr>
+          <p:cNvPr id="2" name="幻灯片图像占位符 1"/>
+          <p:cNvSpPr/>
+          <p:nvPr>
+            <p:ph type="sldImg" idx="2"/>
+          </p:nvPr>
+        </p:nvSpPr>
+        <p:spPr/>
+      </p:sp>
+      <p:sp>
+        <p:nvSpPr>
+          <p:cNvPr id="3" name="文本占位符 2"/>
+          <p:cNvSpPr/>
+          <p:nvPr>
+            <p:ph type="body" idx="3"/>
+          </p:nvPr>
+        </p:nvSpPr>
+        <p:spPr/>
+        <p:txBody>
+          <a:bodyPr/>
+          <a:p>
+            <a:endParaRPr lang="zh-CN" altLang="en-US"/>
+          </a:p>
+        </p:txBody>
+      </p:sp>
+    </p:spTree>
+  </p:cSld>
+  <p:clrMapOvr>
+    <a:masterClrMapping/>
+  </p:clrMapOvr>
+</p:notes>
+</file>
+
+<file path=ppt/notesSlides/notesSlide16.xml><?xml version="1.0" encoding="utf-8"?>
+<p:notes xmlns:a="http://schemas.openxmlformats.org/drawingml/2006/main" xmlns:r="http://schemas.openxmlformats.org/officeDocument/2006/relationships" xmlns:p="http://schemas.openxmlformats.org/presentationml/2006/main">
+  <p:cSld>
+    <p:spTree>
+      <p:nvGrpSpPr>
+        <p:cNvPr id="1" name=""/>
+        <p:cNvGrpSpPr/>
+        <p:nvPr/>
+      </p:nvGrpSpPr>
+      <p:grpSpPr/>
+      <p:sp>
+        <p:nvSpPr>
+          <p:cNvPr id="2" name="幻灯片图像占位符 1"/>
+          <p:cNvSpPr/>
+          <p:nvPr>
+            <p:ph type="sldImg" idx="2"/>
+          </p:nvPr>
+        </p:nvSpPr>
+        <p:spPr/>
+      </p:sp>
+      <p:sp>
+        <p:nvSpPr>
+          <p:cNvPr id="3" name="文本占位符 2"/>
+          <p:cNvSpPr/>
+          <p:nvPr>
+            <p:ph type="body" idx="3"/>
+          </p:nvPr>
+        </p:nvSpPr>
+        <p:spPr/>
+        <p:txBody>
+          <a:bodyPr/>
+          <a:p>
+            <a:endParaRPr lang="zh-CN" altLang="en-US"/>
+          </a:p>
+        </p:txBody>
+      </p:sp>
+    </p:spTree>
+  </p:cSld>
+  <p:clrMapOvr>
+    <a:masterClrMapping/>
+  </p:clrMapOvr>
+</p:notes>
+</file>
+
+<file path=ppt/notesSlides/notesSlide17.xml><?xml version="1.0" encoding="utf-8"?>
 <p:notes xmlns:a="http://schemas.openxmlformats.org/drawingml/2006/main" xmlns:r="http://schemas.openxmlformats.org/officeDocument/2006/relationships" xmlns:p="http://schemas.openxmlformats.org/presentationml/2006/main">
   <p:cSld>
     <p:spTree>
@@ -7114,8 +7339,8 @@
         </p:nvSpPr>
         <p:spPr>
           <a:xfrm>
-            <a:off x="2501265" y="2739390"/>
-            <a:ext cx="4141470" cy="706755"/>
+            <a:off x="484505" y="2739390"/>
+            <a:ext cx="8411210" cy="706755"/>
           </a:xfrm>
           <a:prstGeom prst="rect">
             <a:avLst/>
@@ -7129,25 +7354,82 @@
           <a:p>
             <a:pPr algn="ctr"/>
             <a:r>
-              <a:rPr lang="zh-CN" altLang="en-US" sz="4000">
+              <a:rPr sz="4000">
                 <a:solidFill>
                   <a:schemeClr val="bg1"/>
                 </a:solidFill>
               </a:rPr>
-              <a:t>聊一下</a:t>
-            </a:r>
-            <a:r>
-              <a:rPr lang="en-US" altLang="zh-CN" sz="4000">
+              <a:t>理解NodeJS 实现高并发原理</a:t>
+            </a:r>
+            <a:endParaRPr sz="4000">
+              <a:solidFill>
+                <a:schemeClr val="bg1"/>
+              </a:solidFill>
+            </a:endParaRPr>
+          </a:p>
+        </p:txBody>
+      </p:sp>
+      <p:sp>
+        <p:nvSpPr>
+          <p:cNvPr id="3" name="文本框 2"/>
+          <p:cNvSpPr txBox="1"/>
+          <p:nvPr/>
+        </p:nvSpPr>
+        <p:spPr>
+          <a:xfrm>
+            <a:off x="6437630" y="4924425"/>
+            <a:ext cx="1298575" cy="368300"/>
+          </a:xfrm>
+          <a:prstGeom prst="rect">
+            <a:avLst/>
+          </a:prstGeom>
+          <a:noFill/>
+        </p:spPr>
+        <p:txBody>
+          <a:bodyPr wrap="none" rtlCol="0">
+            <a:spAutoFit/>
+          </a:bodyPr>
+          <a:p>
+            <a:r>
+              <a:rPr lang="zh-CN" altLang="en-US" b="1">
                 <a:solidFill>
                   <a:schemeClr val="bg1"/>
                 </a:solidFill>
+                <a:latin typeface="微软雅黑" panose="020B0503020204020204" charset="-122"/>
+                <a:ea typeface="微软雅黑" panose="020B0503020204020204" charset="-122"/>
+                <a:cs typeface="微软雅黑" panose="020B0503020204020204" charset="-122"/>
               </a:rPr>
-              <a:t>NodeJS</a:t>
-            </a:r>
-            <a:endParaRPr lang="en-US" altLang="zh-CN" sz="4000">
+              <a:t>讲者</a:t>
+            </a:r>
+            <a:r>
+              <a:rPr lang="en-US" altLang="zh-CN" b="1">
+                <a:solidFill>
+                  <a:schemeClr val="bg1"/>
+                </a:solidFill>
+                <a:latin typeface="微软雅黑" panose="020B0503020204020204" charset="-122"/>
+                <a:ea typeface="微软雅黑" panose="020B0503020204020204" charset="-122"/>
+                <a:cs typeface="微软雅黑" panose="020B0503020204020204" charset="-122"/>
+              </a:rPr>
+              <a:t>: </a:t>
+            </a:r>
+            <a:r>
+              <a:rPr lang="zh-CN" altLang="en-US" b="1">
+                <a:solidFill>
+                  <a:schemeClr val="bg1"/>
+                </a:solidFill>
+                <a:latin typeface="微软雅黑" panose="020B0503020204020204" charset="-122"/>
+                <a:ea typeface="微软雅黑" panose="020B0503020204020204" charset="-122"/>
+                <a:cs typeface="微软雅黑" panose="020B0503020204020204" charset="-122"/>
+              </a:rPr>
+              <a:t>子 非</a:t>
+            </a:r>
+            <a:endParaRPr lang="zh-CN" altLang="en-US" b="1">
               <a:solidFill>
                 <a:schemeClr val="bg1"/>
               </a:solidFill>
+              <a:latin typeface="微软雅黑" panose="020B0503020204020204" charset="-122"/>
+              <a:ea typeface="微软雅黑" panose="020B0503020204020204" charset="-122"/>
+              <a:cs typeface="微软雅黑" panose="020B0503020204020204" charset="-122"/>
             </a:endParaRPr>
           </a:p>
         </p:txBody>
@@ -7164,6 +7446,214 @@
 </file>
 
 <file path=ppt/slides/slide10.xml><?xml version="1.0" encoding="utf-8"?>
+<p:sld xmlns:a="http://schemas.openxmlformats.org/drawingml/2006/main" xmlns:r="http://schemas.openxmlformats.org/officeDocument/2006/relationships" xmlns:p="http://schemas.openxmlformats.org/presentationml/2006/main">
+  <p:cSld>
+    <p:spTree>
+      <p:nvGrpSpPr>
+        <p:cNvPr id="1" name=""/>
+        <p:cNvGrpSpPr/>
+        <p:nvPr/>
+      </p:nvGrpSpPr>
+      <p:grpSpPr/>
+      <p:sp>
+        <p:nvSpPr>
+          <p:cNvPr id="4" name="标题 3"/>
+          <p:cNvSpPr>
+            <a:spLocks noGrp="1"/>
+          </p:cNvSpPr>
+          <p:nvPr>
+            <p:ph type="ctrTitle"/>
+          </p:nvPr>
+        </p:nvSpPr>
+        <p:spPr>
+          <a:xfrm>
+            <a:off x="1316355" y="184150"/>
+            <a:ext cx="6684645" cy="987425"/>
+          </a:xfrm>
+        </p:spPr>
+        <p:txBody>
+          <a:bodyPr/>
+          <a:p>
+            <a:r>
+              <a:rPr lang="zh-CN" altLang="en-US" sz="3200">
+                <a:solidFill>
+                  <a:schemeClr val="bg1"/>
+                </a:solidFill>
+                <a:sym typeface="+mn-ea"/>
+              </a:rPr>
+              <a:t>NodeJS简介</a:t>
+            </a:r>
+            <a:endParaRPr lang="zh-CN" altLang="en-US" sz="3200">
+              <a:solidFill>
+                <a:schemeClr val="bg1"/>
+              </a:solidFill>
+            </a:endParaRPr>
+          </a:p>
+        </p:txBody>
+      </p:sp>
+      <p:pic>
+        <p:nvPicPr>
+          <p:cNvPr id="2" name="图片 1"/>
+          <p:cNvPicPr>
+            <a:picLocks noChangeAspect="1"/>
+          </p:cNvPicPr>
+          <p:nvPr/>
+        </p:nvPicPr>
+        <p:blipFill>
+          <a:blip r:embed="rId1"/>
+          <a:stretch>
+            <a:fillRect/>
+          </a:stretch>
+        </p:blipFill>
+        <p:spPr>
+          <a:xfrm>
+            <a:off x="2293620" y="1300480"/>
+            <a:ext cx="4556125" cy="5538470"/>
+          </a:xfrm>
+          <a:prstGeom prst="rect">
+            <a:avLst/>
+          </a:prstGeom>
+        </p:spPr>
+      </p:pic>
+    </p:spTree>
+  </p:cSld>
+  <p:clrMapOvr>
+    <a:masterClrMapping/>
+  </p:clrMapOvr>
+</p:sld>
+</file>
+
+<file path=ppt/slides/slide11.xml><?xml version="1.0" encoding="utf-8"?>
+<p:sld xmlns:a="http://schemas.openxmlformats.org/drawingml/2006/main" xmlns:r="http://schemas.openxmlformats.org/officeDocument/2006/relationships" xmlns:p="http://schemas.openxmlformats.org/presentationml/2006/main">
+  <p:cSld>
+    <p:spTree>
+      <p:nvGrpSpPr>
+        <p:cNvPr id="1" name=""/>
+        <p:cNvGrpSpPr/>
+        <p:nvPr/>
+      </p:nvGrpSpPr>
+      <p:grpSpPr/>
+      <p:sp>
+        <p:nvSpPr>
+          <p:cNvPr id="4" name="标题 3"/>
+          <p:cNvSpPr>
+            <a:spLocks noGrp="1"/>
+          </p:cNvSpPr>
+          <p:nvPr>
+            <p:ph type="ctrTitle"/>
+          </p:nvPr>
+        </p:nvSpPr>
+        <p:spPr>
+          <a:xfrm>
+            <a:off x="1316355" y="184150"/>
+            <a:ext cx="6684645" cy="987425"/>
+          </a:xfrm>
+        </p:spPr>
+        <p:txBody>
+          <a:bodyPr/>
+          <a:p>
+            <a:r>
+              <a:rPr lang="zh-CN" altLang="en-US" sz="3200">
+                <a:solidFill>
+                  <a:schemeClr val="bg1"/>
+                </a:solidFill>
+                <a:sym typeface="+mn-ea"/>
+              </a:rPr>
+              <a:t>Node.js 单线程</a:t>
+            </a:r>
+            <a:endParaRPr lang="zh-CN" altLang="en-US" sz="3200">
+              <a:solidFill>
+                <a:schemeClr val="bg1"/>
+              </a:solidFill>
+            </a:endParaRPr>
+          </a:p>
+        </p:txBody>
+      </p:sp>
+      <p:sp>
+        <p:nvSpPr>
+          <p:cNvPr id="6" name="副标题 5"/>
+          <p:cNvSpPr>
+            <a:spLocks noGrp="1"/>
+          </p:cNvSpPr>
+          <p:nvPr>
+            <p:ph type="subTitle" idx="1"/>
+          </p:nvPr>
+        </p:nvSpPr>
+        <p:spPr>
+          <a:xfrm>
+            <a:off x="767715" y="1638935"/>
+            <a:ext cx="7752080" cy="4224020"/>
+          </a:xfrm>
+        </p:spPr>
+        <p:txBody>
+          <a:bodyPr/>
+          <a:p>
+            <a:pPr marL="514350" indent="-514350" algn="l">
+              <a:lnSpc>
+                <a:spcPct val="140000"/>
+              </a:lnSpc>
+              <a:buFont typeface="Wingdings" panose="05000000000000000000" charset="0"/>
+              <a:buChar char="l"/>
+            </a:pPr>
+            <a:r>
+              <a:rPr lang="zh-CN" altLang="en-US" sz="2000">
+                <a:solidFill>
+                  <a:schemeClr val="bg1"/>
+                </a:solidFill>
+                <a:latin typeface="微软雅黑" panose="020B0503020204020204" charset="-122"/>
+                <a:ea typeface="微软雅黑" panose="020B0503020204020204" charset="-122"/>
+                <a:cs typeface="微软雅黑" panose="020B0503020204020204" charset="-122"/>
+              </a:rPr>
+              <a:t>在传统web 服务模型中，大多都使用多线程来解决并发的问题。而每一个客户端连接创建一个线程，需要耗费2MB的内存。也就是说。理论上一个8GB的服务器可以同时连接用户数为4000个左右。</a:t>
+            </a:r>
+            <a:endParaRPr lang="zh-CN" altLang="en-US" sz="2000">
+              <a:solidFill>
+                <a:schemeClr val="bg1"/>
+              </a:solidFill>
+              <a:latin typeface="微软雅黑" panose="020B0503020204020204" charset="-122"/>
+              <a:ea typeface="微软雅黑" panose="020B0503020204020204" charset="-122"/>
+              <a:cs typeface="微软雅黑" panose="020B0503020204020204" charset="-122"/>
+            </a:endParaRPr>
+          </a:p>
+          <a:p>
+            <a:pPr marL="514350" indent="-514350" algn="l">
+              <a:lnSpc>
+                <a:spcPct val="140000"/>
+              </a:lnSpc>
+              <a:buFont typeface="Wingdings" panose="05000000000000000000" charset="0"/>
+              <a:buChar char="l"/>
+            </a:pPr>
+            <a:r>
+              <a:rPr lang="zh-CN" altLang="en-US" sz="2000">
+                <a:solidFill>
+                  <a:schemeClr val="bg1"/>
+                </a:solidFill>
+                <a:latin typeface="微软雅黑" panose="020B0503020204020204" charset="-122"/>
+                <a:ea typeface="微软雅黑" panose="020B0503020204020204" charset="-122"/>
+                <a:cs typeface="微软雅黑" panose="020B0503020204020204" charset="-122"/>
+              </a:rPr>
+              <a:t>Node.js 使用一个线程（thread），利用非阻塞IO，事件驱动，理论上，一个8G内存的服务器，可以同时容纳3到4万用户的连接。</a:t>
+            </a:r>
+            <a:endParaRPr lang="zh-CN" altLang="en-US" sz="2000">
+              <a:solidFill>
+                <a:schemeClr val="bg1"/>
+              </a:solidFill>
+              <a:latin typeface="微软雅黑" panose="020B0503020204020204" charset="-122"/>
+              <a:ea typeface="微软雅黑" panose="020B0503020204020204" charset="-122"/>
+              <a:cs typeface="微软雅黑" panose="020B0503020204020204" charset="-122"/>
+            </a:endParaRPr>
+          </a:p>
+        </p:txBody>
+      </p:sp>
+    </p:spTree>
+  </p:cSld>
+  <p:clrMapOvr>
+    <a:masterClrMapping/>
+  </p:clrMapOvr>
+</p:sld>
+</file>
+
+<file path=ppt/slides/slide12.xml><?xml version="1.0" encoding="utf-8"?>
 <p:sld xmlns:a="http://schemas.openxmlformats.org/drawingml/2006/main" xmlns:r="http://schemas.openxmlformats.org/officeDocument/2006/relationships" xmlns:p="http://schemas.openxmlformats.org/presentationml/2006/main">
   <p:cSld>
     <p:spTree>
@@ -7264,7 +7754,7 @@
 </p:sld>
 </file>
 
-<file path=ppt/slides/slide11.xml><?xml version="1.0" encoding="utf-8"?>
+<file path=ppt/slides/slide13.xml><?xml version="1.0" encoding="utf-8"?>
 <p:sld xmlns:a="http://schemas.openxmlformats.org/drawingml/2006/main" xmlns:r="http://schemas.openxmlformats.org/officeDocument/2006/relationships" xmlns:p="http://schemas.openxmlformats.org/presentationml/2006/main">
   <p:cSld>
     <p:spTree>
@@ -7317,7 +7807,194 @@
 </p:sld>
 </file>
 
-<file path=ppt/slides/slide12.xml><?xml version="1.0" encoding="utf-8"?>
+<file path=ppt/slides/slide14.xml><?xml version="1.0" encoding="utf-8"?>
+<p:sld xmlns:a="http://schemas.openxmlformats.org/drawingml/2006/main" xmlns:r="http://schemas.openxmlformats.org/officeDocument/2006/relationships" xmlns:p="http://schemas.openxmlformats.org/presentationml/2006/main">
+  <p:cSld>
+    <p:spTree>
+      <p:nvGrpSpPr>
+        <p:cNvPr id="1" name=""/>
+        <p:cNvGrpSpPr/>
+        <p:nvPr/>
+      </p:nvGrpSpPr>
+      <p:grpSpPr/>
+      <p:sp>
+        <p:nvSpPr>
+          <p:cNvPr id="4" name="标题 3"/>
+          <p:cNvSpPr>
+            <a:spLocks noGrp="1"/>
+          </p:cNvSpPr>
+          <p:nvPr>
+            <p:ph type="ctrTitle"/>
+          </p:nvPr>
+        </p:nvSpPr>
+        <p:spPr>
+          <a:xfrm>
+            <a:off x="1316355" y="184150"/>
+            <a:ext cx="6684645" cy="987425"/>
+          </a:xfrm>
+        </p:spPr>
+        <p:txBody>
+          <a:bodyPr/>
+          <a:p>
+            <a:r>
+              <a:rPr lang="zh-CN" altLang="en-US" sz="3200">
+                <a:solidFill>
+                  <a:schemeClr val="bg1"/>
+                </a:solidFill>
+                <a:sym typeface="+mn-ea"/>
+              </a:rPr>
+              <a:t>非阻塞I/O （non-blocking I/O）</a:t>
+            </a:r>
+            <a:endParaRPr lang="zh-CN" altLang="en-US" sz="3200">
+              <a:solidFill>
+                <a:schemeClr val="bg1"/>
+              </a:solidFill>
+              <a:sym typeface="+mn-ea"/>
+            </a:endParaRPr>
+          </a:p>
+        </p:txBody>
+      </p:sp>
+      <p:sp>
+        <p:nvSpPr>
+          <p:cNvPr id="6" name="副标题 5"/>
+          <p:cNvSpPr>
+            <a:spLocks noGrp="1"/>
+          </p:cNvSpPr>
+          <p:nvPr>
+            <p:ph type="subTitle" idx="1"/>
+          </p:nvPr>
+        </p:nvSpPr>
+        <p:spPr>
+          <a:xfrm>
+            <a:off x="767715" y="1638935"/>
+            <a:ext cx="7752080" cy="4224020"/>
+          </a:xfrm>
+        </p:spPr>
+        <p:txBody>
+          <a:bodyPr/>
+          <a:p>
+            <a:pPr marL="514350" indent="-514350" algn="l">
+              <a:lnSpc>
+                <a:spcPct val="140000"/>
+              </a:lnSpc>
+              <a:buFont typeface="Wingdings" panose="05000000000000000000" charset="0"/>
+              <a:buChar char="l"/>
+            </a:pPr>
+            <a:r>
+              <a:rPr lang="zh-CN" altLang="en-US" sz="2000">
+                <a:solidFill>
+                  <a:schemeClr val="bg1"/>
+                </a:solidFill>
+                <a:latin typeface="微软雅黑" panose="020B0503020204020204" charset="-122"/>
+                <a:ea typeface="微软雅黑" panose="020B0503020204020204" charset="-122"/>
+                <a:cs typeface="微软雅黑" panose="020B0503020204020204" charset="-122"/>
+              </a:rPr>
+              <a:t>在传统的单线程处理机制中，I/O阻塞了代码的执行；</a:t>
+            </a:r>
+            <a:endParaRPr lang="zh-CN" altLang="en-US" sz="2000">
+              <a:solidFill>
+                <a:schemeClr val="bg1"/>
+              </a:solidFill>
+              <a:latin typeface="微软雅黑" panose="020B0503020204020204" charset="-122"/>
+              <a:ea typeface="微软雅黑" panose="020B0503020204020204" charset="-122"/>
+              <a:cs typeface="微软雅黑" panose="020B0503020204020204" charset="-122"/>
+            </a:endParaRPr>
+          </a:p>
+          <a:p>
+            <a:pPr marL="514350" indent="-514350" algn="l">
+              <a:lnSpc>
+                <a:spcPct val="140000"/>
+              </a:lnSpc>
+              <a:buFont typeface="Wingdings" panose="05000000000000000000" charset="0"/>
+              <a:buChar char="l"/>
+            </a:pPr>
+            <a:r>
+              <a:rPr lang="zh-CN" altLang="en-US" sz="2000">
+                <a:solidFill>
+                  <a:schemeClr val="bg1"/>
+                </a:solidFill>
+                <a:latin typeface="微软雅黑" panose="020B0503020204020204" charset="-122"/>
+                <a:ea typeface="微软雅黑" panose="020B0503020204020204" charset="-122"/>
+                <a:cs typeface="微软雅黑" panose="020B0503020204020204" charset="-122"/>
+              </a:rPr>
+              <a:t>Node.js中采用了非阻塞型I/O机制；</a:t>
+            </a:r>
+            <a:endParaRPr lang="zh-CN" altLang="en-US" sz="2000">
+              <a:solidFill>
+                <a:schemeClr val="bg1"/>
+              </a:solidFill>
+              <a:latin typeface="微软雅黑" panose="020B0503020204020204" charset="-122"/>
+              <a:ea typeface="微软雅黑" panose="020B0503020204020204" charset="-122"/>
+              <a:cs typeface="微软雅黑" panose="020B0503020204020204" charset="-122"/>
+            </a:endParaRPr>
+          </a:p>
+          <a:p>
+            <a:pPr marL="514350" indent="-514350" algn="l">
+              <a:lnSpc>
+                <a:spcPct val="140000"/>
+              </a:lnSpc>
+              <a:buFont typeface="Wingdings" panose="05000000000000000000" charset="0"/>
+              <a:buChar char="l"/>
+            </a:pPr>
+            <a:r>
+              <a:rPr lang="zh-CN" altLang="en-US" sz="2000">
+                <a:solidFill>
+                  <a:schemeClr val="bg1"/>
+                </a:solidFill>
+                <a:latin typeface="微软雅黑" panose="020B0503020204020204" charset="-122"/>
+                <a:ea typeface="微软雅黑" panose="020B0503020204020204" charset="-122"/>
+                <a:cs typeface="微软雅黑" panose="020B0503020204020204" charset="-122"/>
+              </a:rPr>
+              <a:t>当某个I/O执行完毕时，将以事件的形式通知执行I/O操作的线程，线程执行这个事件的回调函数；</a:t>
+            </a:r>
+            <a:endParaRPr lang="zh-CN" altLang="en-US" sz="2000">
+              <a:solidFill>
+                <a:schemeClr val="bg1"/>
+              </a:solidFill>
+              <a:latin typeface="微软雅黑" panose="020B0503020204020204" charset="-122"/>
+              <a:ea typeface="微软雅黑" panose="020B0503020204020204" charset="-122"/>
+              <a:cs typeface="微软雅黑" panose="020B0503020204020204" charset="-122"/>
+            </a:endParaRPr>
+          </a:p>
+          <a:p>
+            <a:pPr marL="514350" indent="-514350" algn="l">
+              <a:lnSpc>
+                <a:spcPct val="140000"/>
+              </a:lnSpc>
+              <a:buFont typeface="Wingdings" panose="05000000000000000000" charset="0"/>
+              <a:buChar char="l"/>
+            </a:pPr>
+            <a:r>
+              <a:rPr lang="zh-CN" altLang="en-US" sz="2000">
+                <a:solidFill>
+                  <a:schemeClr val="bg1"/>
+                </a:solidFill>
+                <a:latin typeface="微软雅黑" panose="020B0503020204020204" charset="-122"/>
+                <a:ea typeface="微软雅黑" panose="020B0503020204020204" charset="-122"/>
+                <a:cs typeface="微软雅黑" panose="020B0503020204020204" charset="-122"/>
+              </a:rPr>
+              <a:t>而非阻塞模式下，一个线程永远在执行计算操作，这个线程的CPU核心利用率永远是100%；</a:t>
+            </a:r>
+            <a:endParaRPr lang="zh-CN" altLang="en-US" sz="2000">
+              <a:solidFill>
+                <a:schemeClr val="bg1"/>
+              </a:solidFill>
+              <a:latin typeface="微软雅黑" panose="020B0503020204020204" charset="-122"/>
+              <a:ea typeface="微软雅黑" panose="020B0503020204020204" charset="-122"/>
+              <a:cs typeface="微软雅黑" panose="020B0503020204020204" charset="-122"/>
+            </a:endParaRPr>
+          </a:p>
+        </p:txBody>
+      </p:sp>
+    </p:spTree>
+  </p:cSld>
+  <p:clrMapOvr>
+    <a:masterClrMapping/>
+  </p:clrMapOvr>
+</p:sld>
+</file>
+
+<file path=ppt/slides/slide15.xml><?xml version="1.0" encoding="utf-8"?>
 <p:sld xmlns:a="http://schemas.openxmlformats.org/drawingml/2006/main" xmlns:r="http://schemas.openxmlformats.org/officeDocument/2006/relationships" xmlns:p="http://schemas.openxmlformats.org/presentationml/2006/main">
   <p:cSld>
     <p:spTree>
@@ -7377,7 +8054,7 @@
 </p:sld>
 </file>
 
-<file path=ppt/slides/slide13.xml><?xml version="1.0" encoding="utf-8"?>
+<file path=ppt/slides/slide16.xml><?xml version="1.0" encoding="utf-8"?>
 <p:sld xmlns:a="http://schemas.openxmlformats.org/drawingml/2006/main" xmlns:r="http://schemas.openxmlformats.org/officeDocument/2006/relationships" xmlns:p="http://schemas.openxmlformats.org/presentationml/2006/main">
   <p:cSld>
     <p:spTree>
@@ -7419,7 +8096,138 @@
 </p:sld>
 </file>
 
-<file path=ppt/slides/slide14.xml><?xml version="1.0" encoding="utf-8"?>
+<file path=ppt/slides/slide17.xml><?xml version="1.0" encoding="utf-8"?>
+<p:sld xmlns:a="http://schemas.openxmlformats.org/drawingml/2006/main" xmlns:r="http://schemas.openxmlformats.org/officeDocument/2006/relationships" xmlns:p="http://schemas.openxmlformats.org/presentationml/2006/main">
+  <p:cSld>
+    <p:spTree>
+      <p:nvGrpSpPr>
+        <p:cNvPr id="1" name=""/>
+        <p:cNvGrpSpPr/>
+        <p:nvPr/>
+      </p:nvGrpSpPr>
+      <p:grpSpPr/>
+      <p:sp>
+        <p:nvSpPr>
+          <p:cNvPr id="4" name="标题 3"/>
+          <p:cNvSpPr>
+            <a:spLocks noGrp="1"/>
+          </p:cNvSpPr>
+          <p:nvPr>
+            <p:ph type="ctrTitle"/>
+          </p:nvPr>
+        </p:nvSpPr>
+        <p:spPr>
+          <a:xfrm>
+            <a:off x="1316355" y="184150"/>
+            <a:ext cx="6684645" cy="987425"/>
+          </a:xfrm>
+        </p:spPr>
+        <p:txBody>
+          <a:bodyPr/>
+          <a:p>
+            <a:r>
+              <a:rPr lang="zh-CN" altLang="en-US" sz="3200">
+                <a:solidFill>
+                  <a:schemeClr val="bg1"/>
+                </a:solidFill>
+                <a:sym typeface="+mn-ea"/>
+              </a:rPr>
+              <a:t>事件驱动/事件循环</a:t>
+            </a:r>
+            <a:endParaRPr lang="zh-CN" altLang="en-US" sz="3200">
+              <a:solidFill>
+                <a:schemeClr val="bg1"/>
+              </a:solidFill>
+              <a:sym typeface="+mn-ea"/>
+            </a:endParaRPr>
+          </a:p>
+        </p:txBody>
+      </p:sp>
+      <p:sp>
+        <p:nvSpPr>
+          <p:cNvPr id="6" name="副标题 5"/>
+          <p:cNvSpPr>
+            <a:spLocks noGrp="1"/>
+          </p:cNvSpPr>
+          <p:nvPr>
+            <p:ph type="subTitle" idx="1"/>
+          </p:nvPr>
+        </p:nvSpPr>
+        <p:spPr>
+          <a:xfrm>
+            <a:off x="767715" y="1638935"/>
+            <a:ext cx="7752080" cy="4224020"/>
+          </a:xfrm>
+        </p:spPr>
+        <p:txBody>
+          <a:bodyPr/>
+          <a:p>
+            <a:pPr marL="514350" indent="-514350" algn="l">
+              <a:lnSpc>
+                <a:spcPct val="140000"/>
+              </a:lnSpc>
+              <a:buFont typeface="Wingdings" panose="05000000000000000000" charset="0"/>
+              <a:buChar char="l"/>
+            </a:pPr>
+            <a:r>
+              <a:rPr lang="zh-CN" altLang="en-US" sz="2000">
+                <a:solidFill>
+                  <a:schemeClr val="bg1"/>
+                </a:solidFill>
+                <a:latin typeface="微软雅黑" panose="020B0503020204020204" charset="-122"/>
+                <a:ea typeface="微软雅黑" panose="020B0503020204020204" charset="-122"/>
+                <a:cs typeface="微软雅黑" panose="020B0503020204020204" charset="-122"/>
+              </a:rPr>
+              <a:t>node.js单线程只是一个js主线程，本质上的异步操作还是由线程池完成的</a:t>
+            </a:r>
+            <a:endParaRPr lang="zh-CN" altLang="en-US" sz="2000">
+              <a:solidFill>
+                <a:schemeClr val="bg1"/>
+              </a:solidFill>
+              <a:latin typeface="微软雅黑" panose="020B0503020204020204" charset="-122"/>
+              <a:ea typeface="微软雅黑" panose="020B0503020204020204" charset="-122"/>
+              <a:cs typeface="微软雅黑" panose="020B0503020204020204" charset="-122"/>
+            </a:endParaRPr>
+          </a:p>
+          <a:p>
+            <a:pPr marL="514350" indent="-514350" algn="l">
+              <a:lnSpc>
+                <a:spcPct val="140000"/>
+              </a:lnSpc>
+              <a:buFont typeface="Wingdings" panose="05000000000000000000" charset="0"/>
+              <a:buChar char="l"/>
+            </a:pPr>
+            <a:r>
+              <a:rPr lang="zh-CN" altLang="en-US" sz="2000">
+                <a:solidFill>
+                  <a:schemeClr val="bg1"/>
+                </a:solidFill>
+                <a:latin typeface="微软雅黑" panose="020B0503020204020204" charset="-122"/>
+                <a:ea typeface="微软雅黑" panose="020B0503020204020204" charset="-122"/>
+                <a:cs typeface="微软雅黑" panose="020B0503020204020204" charset="-122"/>
+              </a:rPr>
+              <a:t>Nodejs之所以单线程可以处理高并发的原因，得益于libuv层的事件循环机制，和底层线程池实现</a:t>
+            </a:r>
+            <a:endParaRPr lang="zh-CN" altLang="en-US" sz="2000">
+              <a:solidFill>
+                <a:schemeClr val="bg1"/>
+              </a:solidFill>
+              <a:latin typeface="微软雅黑" panose="020B0503020204020204" charset="-122"/>
+              <a:ea typeface="微软雅黑" panose="020B0503020204020204" charset="-122"/>
+              <a:cs typeface="微软雅黑" panose="020B0503020204020204" charset="-122"/>
+            </a:endParaRPr>
+          </a:p>
+        </p:txBody>
+      </p:sp>
+    </p:spTree>
+  </p:cSld>
+  <p:clrMapOvr>
+    <a:masterClrMapping/>
+  </p:clrMapOvr>
+</p:sld>
+</file>
+
+<file path=ppt/slides/slide18.xml><?xml version="1.0" encoding="utf-8"?>
 <p:sld xmlns:a="http://schemas.openxmlformats.org/drawingml/2006/main" xmlns:r="http://schemas.openxmlformats.org/officeDocument/2006/relationships" xmlns:p="http://schemas.openxmlformats.org/presentationml/2006/main">
   <p:cSld>
     <p:spTree>
@@ -7669,7 +8477,7 @@
 </p:sld>
 </file>
 
-<file path=ppt/slides/slide15.xml><?xml version="1.0" encoding="utf-8"?>
+<file path=ppt/slides/slide19.xml><?xml version="1.0" encoding="utf-8"?>
 <p:sld xmlns:a="http://schemas.openxmlformats.org/drawingml/2006/main" xmlns:r="http://schemas.openxmlformats.org/officeDocument/2006/relationships" xmlns:p="http://schemas.openxmlformats.org/presentationml/2006/main">
   <p:cSld>
     <p:spTree>
@@ -8120,7 +8928,430 @@
 </p:sld>
 </file>
 
+<file path=ppt/slides/slide20.xml><?xml version="1.0" encoding="utf-8"?>
+<p:sld xmlns:a="http://schemas.openxmlformats.org/drawingml/2006/main" xmlns:r="http://schemas.openxmlformats.org/officeDocument/2006/relationships" xmlns:p="http://schemas.openxmlformats.org/presentationml/2006/main">
+  <p:cSld>
+    <p:spTree>
+      <p:nvGrpSpPr>
+        <p:cNvPr id="1" name=""/>
+        <p:cNvGrpSpPr/>
+        <p:nvPr/>
+      </p:nvGrpSpPr>
+      <p:grpSpPr/>
+      <p:sp>
+        <p:nvSpPr>
+          <p:cNvPr id="4" name="标题 3"/>
+          <p:cNvSpPr>
+            <a:spLocks noGrp="1"/>
+          </p:cNvSpPr>
+          <p:nvPr>
+            <p:ph type="ctrTitle"/>
+          </p:nvPr>
+        </p:nvSpPr>
+        <p:spPr>
+          <a:xfrm>
+            <a:off x="1316355" y="184150"/>
+            <a:ext cx="6684645" cy="987425"/>
+          </a:xfrm>
+        </p:spPr>
+        <p:txBody>
+          <a:bodyPr/>
+          <a:p>
+            <a:r>
+              <a:rPr lang="zh-CN" altLang="en-US" sz="3200">
+                <a:solidFill>
+                  <a:schemeClr val="bg1"/>
+                </a:solidFill>
+                <a:sym typeface="+mn-ea"/>
+              </a:rPr>
+              <a:t>下一节</a:t>
+            </a:r>
+            <a:endParaRPr lang="zh-CN" altLang="en-US" sz="3200">
+              <a:solidFill>
+                <a:schemeClr val="bg1"/>
+              </a:solidFill>
+              <a:sym typeface="+mn-ea"/>
+            </a:endParaRPr>
+          </a:p>
+        </p:txBody>
+      </p:sp>
+      <p:sp>
+        <p:nvSpPr>
+          <p:cNvPr id="6" name="副标题 5"/>
+          <p:cNvSpPr>
+            <a:spLocks noGrp="1"/>
+          </p:cNvSpPr>
+          <p:nvPr>
+            <p:ph type="subTitle" idx="1"/>
+          </p:nvPr>
+        </p:nvSpPr>
+        <p:spPr>
+          <a:xfrm>
+            <a:off x="767715" y="1638935"/>
+            <a:ext cx="7233920" cy="4043045"/>
+          </a:xfrm>
+        </p:spPr>
+        <p:txBody>
+          <a:bodyPr/>
+          <a:p>
+            <a:pPr marL="514350" indent="-514350" algn="l">
+              <a:lnSpc>
+                <a:spcPct val="140000"/>
+              </a:lnSpc>
+              <a:buFont typeface="Wingdings" panose="05000000000000000000" charset="0"/>
+              <a:buChar char="l"/>
+            </a:pPr>
+            <a:endParaRPr lang="zh-CN" altLang="en-US" sz="2000">
+              <a:solidFill>
+                <a:schemeClr val="bg1"/>
+              </a:solidFill>
+              <a:latin typeface="微软雅黑" panose="020B0503020204020204" charset="-122"/>
+              <a:ea typeface="微软雅黑" panose="020B0503020204020204" charset="-122"/>
+              <a:cs typeface="微软雅黑" panose="020B0503020204020204" charset="-122"/>
+            </a:endParaRPr>
+          </a:p>
+          <a:p>
+            <a:pPr marL="514350" indent="-514350" algn="l">
+              <a:lnSpc>
+                <a:spcPct val="140000"/>
+              </a:lnSpc>
+              <a:buFont typeface="Wingdings" panose="05000000000000000000" charset="0"/>
+              <a:buChar char="l"/>
+            </a:pPr>
+            <a:endParaRPr lang="zh-CN" altLang="en-US" sz="2000">
+              <a:solidFill>
+                <a:schemeClr val="bg1"/>
+              </a:solidFill>
+              <a:latin typeface="微软雅黑" panose="020B0503020204020204" charset="-122"/>
+              <a:ea typeface="微软雅黑" panose="020B0503020204020204" charset="-122"/>
+              <a:cs typeface="微软雅黑" panose="020B0503020204020204" charset="-122"/>
+            </a:endParaRPr>
+          </a:p>
+          <a:p>
+            <a:pPr algn="l">
+              <a:lnSpc>
+                <a:spcPct val="140000"/>
+              </a:lnSpc>
+              <a:buFont typeface="Wingdings" panose="05000000000000000000" charset="0"/>
+            </a:pPr>
+            <a:r>
+              <a:rPr lang="zh-CN" altLang="en-US" sz="2000">
+                <a:solidFill>
+                  <a:schemeClr val="bg1"/>
+                </a:solidFill>
+                <a:latin typeface="微软雅黑" panose="020B0503020204020204" charset="-122"/>
+                <a:ea typeface="微软雅黑" panose="020B0503020204020204" charset="-122"/>
+                <a:cs typeface="微软雅黑" panose="020B0503020204020204" charset="-122"/>
+              </a:rPr>
+              <a:t>                         </a:t>
+            </a:r>
+            <a:r>
+              <a:rPr lang="zh-CN" altLang="en-US" sz="2400">
+                <a:solidFill>
+                  <a:schemeClr val="bg1"/>
+                </a:solidFill>
+                <a:latin typeface="微软雅黑" panose="020B0503020204020204" charset="-122"/>
+                <a:ea typeface="微软雅黑" panose="020B0503020204020204" charset="-122"/>
+                <a:cs typeface="微软雅黑" panose="020B0503020204020204" charset="-122"/>
+              </a:rPr>
+              <a:t>基于</a:t>
+            </a:r>
+            <a:r>
+              <a:rPr lang="en-US" altLang="zh-CN" sz="2400">
+                <a:solidFill>
+                  <a:schemeClr val="bg1"/>
+                </a:solidFill>
+                <a:latin typeface="微软雅黑" panose="020B0503020204020204" charset="-122"/>
+                <a:ea typeface="微软雅黑" panose="020B0503020204020204" charset="-122"/>
+                <a:cs typeface="微软雅黑" panose="020B0503020204020204" charset="-122"/>
+              </a:rPr>
+              <a:t>koa2</a:t>
+            </a:r>
+            <a:r>
+              <a:rPr lang="zh-CN" altLang="en-US" sz="2400">
+                <a:solidFill>
+                  <a:schemeClr val="bg1"/>
+                </a:solidFill>
+                <a:latin typeface="微软雅黑" panose="020B0503020204020204" charset="-122"/>
+                <a:ea typeface="微软雅黑" panose="020B0503020204020204" charset="-122"/>
+                <a:cs typeface="微软雅黑" panose="020B0503020204020204" charset="-122"/>
+              </a:rPr>
+              <a:t>的前端工程化实践</a:t>
+            </a:r>
+            <a:endParaRPr lang="zh-CN" altLang="en-US" sz="2000">
+              <a:solidFill>
+                <a:schemeClr val="bg1"/>
+              </a:solidFill>
+              <a:latin typeface="微软雅黑" panose="020B0503020204020204" charset="-122"/>
+              <a:ea typeface="微软雅黑" panose="020B0503020204020204" charset="-122"/>
+              <a:cs typeface="微软雅黑" panose="020B0503020204020204" charset="-122"/>
+            </a:endParaRPr>
+          </a:p>
+          <a:p>
+            <a:pPr algn="l">
+              <a:lnSpc>
+                <a:spcPct val="140000"/>
+              </a:lnSpc>
+              <a:buFont typeface="Wingdings" panose="05000000000000000000" charset="0"/>
+            </a:pPr>
+            <a:endParaRPr lang="zh-CN" altLang="en-US" sz="2000">
+              <a:solidFill>
+                <a:schemeClr val="bg1"/>
+              </a:solidFill>
+              <a:latin typeface="微软雅黑" panose="020B0503020204020204" charset="-122"/>
+              <a:ea typeface="微软雅黑" panose="020B0503020204020204" charset="-122"/>
+              <a:cs typeface="微软雅黑" panose="020B0503020204020204" charset="-122"/>
+            </a:endParaRPr>
+          </a:p>
+          <a:p>
+            <a:pPr algn="l">
+              <a:lnSpc>
+                <a:spcPct val="140000"/>
+              </a:lnSpc>
+              <a:buFont typeface="Wingdings" panose="05000000000000000000" charset="0"/>
+            </a:pPr>
+            <a:r>
+              <a:rPr lang="en-US" altLang="zh-CN" sz="2000">
+                <a:solidFill>
+                  <a:schemeClr val="bg1"/>
+                </a:solidFill>
+                <a:latin typeface="微软雅黑" panose="020B0503020204020204" charset="-122"/>
+                <a:ea typeface="微软雅黑" panose="020B0503020204020204" charset="-122"/>
+                <a:cs typeface="微软雅黑" panose="020B0503020204020204" charset="-122"/>
+              </a:rPr>
+              <a:t>	</a:t>
+            </a:r>
+            <a:endParaRPr lang="zh-CN" altLang="en-US" sz="2000">
+              <a:solidFill>
+                <a:schemeClr val="bg1"/>
+              </a:solidFill>
+              <a:latin typeface="微软雅黑" panose="020B0503020204020204" charset="-122"/>
+              <a:ea typeface="微软雅黑" panose="020B0503020204020204" charset="-122"/>
+              <a:cs typeface="微软雅黑" panose="020B0503020204020204" charset="-122"/>
+              <a:sym typeface="+mn-ea"/>
+            </a:endParaRPr>
+          </a:p>
+          <a:p>
+            <a:pPr algn="l">
+              <a:lnSpc>
+                <a:spcPct val="140000"/>
+              </a:lnSpc>
+              <a:buFont typeface="Wingdings" panose="05000000000000000000" charset="0"/>
+            </a:pPr>
+            <a:endParaRPr lang="zh-CN" altLang="en-US" sz="2000">
+              <a:solidFill>
+                <a:schemeClr val="bg1"/>
+              </a:solidFill>
+              <a:latin typeface="微软雅黑" panose="020B0503020204020204" charset="-122"/>
+              <a:ea typeface="微软雅黑" panose="020B0503020204020204" charset="-122"/>
+              <a:cs typeface="微软雅黑" panose="020B0503020204020204" charset="-122"/>
+              <a:sym typeface="+mn-ea"/>
+            </a:endParaRPr>
+          </a:p>
+          <a:p>
+            <a:pPr algn="l">
+              <a:lnSpc>
+                <a:spcPct val="140000"/>
+              </a:lnSpc>
+              <a:buFont typeface="Wingdings" panose="05000000000000000000" charset="0"/>
+            </a:pPr>
+            <a:endParaRPr lang="zh-CN" altLang="en-US" sz="2000">
+              <a:solidFill>
+                <a:schemeClr val="bg1"/>
+              </a:solidFill>
+              <a:latin typeface="微软雅黑" panose="020B0503020204020204" charset="-122"/>
+              <a:ea typeface="微软雅黑" panose="020B0503020204020204" charset="-122"/>
+              <a:cs typeface="微软雅黑" panose="020B0503020204020204" charset="-122"/>
+            </a:endParaRPr>
+          </a:p>
+          <a:p>
+            <a:pPr algn="l">
+              <a:lnSpc>
+                <a:spcPct val="140000"/>
+              </a:lnSpc>
+              <a:buFont typeface="Wingdings" panose="05000000000000000000" charset="0"/>
+            </a:pPr>
+            <a:endParaRPr lang="zh-CN" altLang="en-US" sz="2000">
+              <a:solidFill>
+                <a:schemeClr val="bg1"/>
+              </a:solidFill>
+              <a:latin typeface="微软雅黑" panose="020B0503020204020204" charset="-122"/>
+              <a:ea typeface="微软雅黑" panose="020B0503020204020204" charset="-122"/>
+              <a:cs typeface="微软雅黑" panose="020B0503020204020204" charset="-122"/>
+            </a:endParaRPr>
+          </a:p>
+          <a:p>
+            <a:pPr algn="l">
+              <a:lnSpc>
+                <a:spcPct val="140000"/>
+              </a:lnSpc>
+              <a:buFont typeface="Wingdings" panose="05000000000000000000" charset="0"/>
+            </a:pPr>
+            <a:r>
+              <a:rPr lang="en-US" altLang="zh-CN" sz="2000">
+                <a:solidFill>
+                  <a:schemeClr val="bg1"/>
+                </a:solidFill>
+                <a:latin typeface="微软雅黑" panose="020B0503020204020204" charset="-122"/>
+                <a:ea typeface="微软雅黑" panose="020B0503020204020204" charset="-122"/>
+                <a:cs typeface="微软雅黑" panose="020B0503020204020204" charset="-122"/>
+              </a:rPr>
+              <a:t>	</a:t>
+            </a:r>
+            <a:endParaRPr lang="zh-CN" altLang="en-US" sz="2000">
+              <a:solidFill>
+                <a:schemeClr val="bg1"/>
+              </a:solidFill>
+              <a:latin typeface="微软雅黑" panose="020B0503020204020204" charset="-122"/>
+              <a:ea typeface="微软雅黑" panose="020B0503020204020204" charset="-122"/>
+              <a:cs typeface="微软雅黑" panose="020B0503020204020204" charset="-122"/>
+            </a:endParaRPr>
+          </a:p>
+          <a:p>
+            <a:pPr algn="l">
+              <a:lnSpc>
+                <a:spcPct val="140000"/>
+              </a:lnSpc>
+              <a:buFont typeface="Wingdings" panose="05000000000000000000" charset="0"/>
+            </a:pPr>
+            <a:endParaRPr lang="zh-CN" altLang="en-US" sz="2000">
+              <a:solidFill>
+                <a:schemeClr val="bg1"/>
+              </a:solidFill>
+              <a:latin typeface="微软雅黑" panose="020B0503020204020204" charset="-122"/>
+              <a:ea typeface="微软雅黑" panose="020B0503020204020204" charset="-122"/>
+              <a:cs typeface="微软雅黑" panose="020B0503020204020204" charset="-122"/>
+            </a:endParaRPr>
+          </a:p>
+          <a:p>
+            <a:pPr algn="l">
+              <a:lnSpc>
+                <a:spcPct val="140000"/>
+              </a:lnSpc>
+              <a:buFont typeface="Wingdings" panose="05000000000000000000" charset="0"/>
+            </a:pPr>
+            <a:endParaRPr lang="zh-CN" altLang="en-US" sz="2000">
+              <a:solidFill>
+                <a:schemeClr val="bg1"/>
+              </a:solidFill>
+              <a:latin typeface="微软雅黑" panose="020B0503020204020204" charset="-122"/>
+              <a:ea typeface="微软雅黑" panose="020B0503020204020204" charset="-122"/>
+              <a:cs typeface="微软雅黑" panose="020B0503020204020204" charset="-122"/>
+            </a:endParaRPr>
+          </a:p>
+          <a:p>
+            <a:pPr marL="457200" lvl="1" algn="l">
+              <a:lnSpc>
+                <a:spcPct val="140000"/>
+              </a:lnSpc>
+              <a:buFont typeface="Wingdings" panose="05000000000000000000" charset="0"/>
+            </a:pPr>
+            <a:endParaRPr lang="zh-CN" altLang="en-US" sz="1665">
+              <a:solidFill>
+                <a:schemeClr val="bg1"/>
+              </a:solidFill>
+              <a:latin typeface="微软雅黑" panose="020B0503020204020204" charset="-122"/>
+              <a:ea typeface="微软雅黑" panose="020B0503020204020204" charset="-122"/>
+              <a:cs typeface="微软雅黑" panose="020B0503020204020204" charset="-122"/>
+            </a:endParaRPr>
+          </a:p>
+          <a:p>
+            <a:pPr marL="457200" lvl="1" algn="l">
+              <a:lnSpc>
+                <a:spcPct val="140000"/>
+              </a:lnSpc>
+              <a:buFont typeface="Wingdings" panose="05000000000000000000" charset="0"/>
+            </a:pPr>
+            <a:endParaRPr lang="zh-CN" altLang="en-US" sz="1665">
+              <a:solidFill>
+                <a:schemeClr val="bg1"/>
+              </a:solidFill>
+              <a:latin typeface="微软雅黑" panose="020B0503020204020204" charset="-122"/>
+              <a:ea typeface="微软雅黑" panose="020B0503020204020204" charset="-122"/>
+              <a:cs typeface="微软雅黑" panose="020B0503020204020204" charset="-122"/>
+            </a:endParaRPr>
+          </a:p>
+          <a:p>
+            <a:pPr algn="l">
+              <a:lnSpc>
+                <a:spcPct val="140000"/>
+              </a:lnSpc>
+              <a:buFont typeface="Wingdings" panose="05000000000000000000" charset="0"/>
+            </a:pPr>
+            <a:endParaRPr lang="zh-CN" altLang="en-US" sz="2000">
+              <a:solidFill>
+                <a:schemeClr val="bg1"/>
+              </a:solidFill>
+              <a:latin typeface="微软雅黑" panose="020B0503020204020204" charset="-122"/>
+              <a:ea typeface="微软雅黑" panose="020B0503020204020204" charset="-122"/>
+              <a:cs typeface="微软雅黑" panose="020B0503020204020204" charset="-122"/>
+            </a:endParaRPr>
+          </a:p>
+        </p:txBody>
+      </p:sp>
+    </p:spTree>
+  </p:cSld>
+  <p:clrMapOvr>
+    <a:masterClrMapping/>
+  </p:clrMapOvr>
+</p:sld>
+</file>
+
 <file path=ppt/slides/slide3.xml><?xml version="1.0" encoding="utf-8"?>
+<p:sld xmlns:a="http://schemas.openxmlformats.org/drawingml/2006/main" xmlns:r="http://schemas.openxmlformats.org/officeDocument/2006/relationships" xmlns:p="http://schemas.openxmlformats.org/presentationml/2006/main">
+  <p:cSld>
+    <p:spTree>
+      <p:nvGrpSpPr>
+        <p:cNvPr id="1" name=""/>
+        <p:cNvGrpSpPr/>
+        <p:nvPr/>
+      </p:nvGrpSpPr>
+      <p:grpSpPr/>
+      <p:sp>
+        <p:nvSpPr>
+          <p:cNvPr id="4" name="标题 3"/>
+          <p:cNvSpPr>
+            <a:spLocks noGrp="1"/>
+          </p:cNvSpPr>
+          <p:nvPr>
+            <p:ph type="ctrTitle"/>
+          </p:nvPr>
+        </p:nvSpPr>
+        <p:spPr>
+          <a:xfrm>
+            <a:off x="1388745" y="2934970"/>
+            <a:ext cx="6684645" cy="987425"/>
+          </a:xfrm>
+        </p:spPr>
+        <p:txBody>
+          <a:bodyPr/>
+          <a:p>
+            <a:r>
+              <a:rPr lang="zh-CN" altLang="en-US" sz="3200">
+                <a:solidFill>
+                  <a:schemeClr val="bg1"/>
+                </a:solidFill>
+                <a:sym typeface="+mn-ea"/>
+              </a:rPr>
+              <a:t>Node.js的诞生</a:t>
+            </a:r>
+            <a:endParaRPr lang="zh-CN" altLang="en-US" sz="3200">
+              <a:solidFill>
+                <a:schemeClr val="bg1"/>
+              </a:solidFill>
+            </a:endParaRPr>
+          </a:p>
+        </p:txBody>
+      </p:sp>
+    </p:spTree>
+  </p:cSld>
+  <p:clrMapOvr>
+    <a:masterClrMapping/>
+  </p:clrMapOvr>
+</p:sld>
+</file>
+
+<file path=ppt/slides/slide4.xml><?xml version="1.0" encoding="utf-8"?>
 <p:sld xmlns:a="http://schemas.openxmlformats.org/drawingml/2006/main" xmlns:r="http://schemas.openxmlformats.org/officeDocument/2006/relationships" xmlns:p="http://schemas.openxmlformats.org/presentationml/2006/main">
   <p:cSld>
     <p:spTree>
@@ -8395,7 +9626,7 @@
 </p:sld>
 </file>
 
-<file path=ppt/slides/slide4.xml><?xml version="1.0" encoding="utf-8"?>
+<file path=ppt/slides/slide5.xml><?xml version="1.0" encoding="utf-8"?>
 <p:sld xmlns:a="http://schemas.openxmlformats.org/drawingml/2006/main" xmlns:r="http://schemas.openxmlformats.org/officeDocument/2006/relationships" xmlns:p="http://schemas.openxmlformats.org/presentationml/2006/main">
   <p:cSld>
     <p:spTree>
@@ -8674,213 +9905,6 @@
               </a:lnSpc>
               <a:buFont typeface="Wingdings" panose="05000000000000000000" charset="0"/>
               <a:buChar char="l"/>
-            </a:pPr>
-            <a:endParaRPr lang="zh-CN" altLang="en-US" sz="2000">
-              <a:solidFill>
-                <a:schemeClr val="bg1"/>
-              </a:solidFill>
-              <a:latin typeface="微软雅黑" panose="020B0503020204020204" charset="-122"/>
-              <a:ea typeface="微软雅黑" panose="020B0503020204020204" charset="-122"/>
-              <a:cs typeface="微软雅黑" panose="020B0503020204020204" charset="-122"/>
-            </a:endParaRPr>
-          </a:p>
-        </p:txBody>
-      </p:sp>
-    </p:spTree>
-  </p:cSld>
-  <p:clrMapOvr>
-    <a:masterClrMapping/>
-  </p:clrMapOvr>
-</p:sld>
-</file>
-
-<file path=ppt/slides/slide5.xml><?xml version="1.0" encoding="utf-8"?>
-<p:sld xmlns:a="http://schemas.openxmlformats.org/drawingml/2006/main" xmlns:r="http://schemas.openxmlformats.org/officeDocument/2006/relationships" xmlns:p="http://schemas.openxmlformats.org/presentationml/2006/main">
-  <p:cSld>
-    <p:spTree>
-      <p:nvGrpSpPr>
-        <p:cNvPr id="1" name=""/>
-        <p:cNvGrpSpPr/>
-        <p:nvPr/>
-      </p:nvGrpSpPr>
-      <p:grpSpPr/>
-      <p:sp>
-        <p:nvSpPr>
-          <p:cNvPr id="4" name="标题 3"/>
-          <p:cNvSpPr>
-            <a:spLocks noGrp="1"/>
-          </p:cNvSpPr>
-          <p:nvPr>
-            <p:ph type="ctrTitle"/>
-          </p:nvPr>
-        </p:nvSpPr>
-        <p:spPr>
-          <a:xfrm>
-            <a:off x="1316355" y="184150"/>
-            <a:ext cx="6684645" cy="987425"/>
-          </a:xfrm>
-        </p:spPr>
-        <p:txBody>
-          <a:bodyPr/>
-          <a:p>
-            <a:r>
-              <a:rPr lang="zh-CN" altLang="en-US" sz="3200">
-                <a:solidFill>
-                  <a:schemeClr val="bg1"/>
-                </a:solidFill>
-              </a:rPr>
-              <a:t>NodeJS简介</a:t>
-            </a:r>
-            <a:endParaRPr lang="en-US" altLang="zh-CN" sz="3200">
-              <a:solidFill>
-                <a:schemeClr val="bg1"/>
-              </a:solidFill>
-            </a:endParaRPr>
-          </a:p>
-        </p:txBody>
-      </p:sp>
-      <p:sp>
-        <p:nvSpPr>
-          <p:cNvPr id="6" name="副标题 5"/>
-          <p:cNvSpPr>
-            <a:spLocks noGrp="1"/>
-          </p:cNvSpPr>
-          <p:nvPr>
-            <p:ph type="subTitle" idx="1"/>
-          </p:nvPr>
-        </p:nvSpPr>
-        <p:spPr>
-          <a:xfrm>
-            <a:off x="925195" y="1612265"/>
-            <a:ext cx="7450455" cy="3024505"/>
-          </a:xfrm>
-        </p:spPr>
-        <p:txBody>
-          <a:bodyPr/>
-          <a:p>
-            <a:pPr marL="514350" indent="-514350" algn="l">
-              <a:lnSpc>
-                <a:spcPct val="140000"/>
-              </a:lnSpc>
-              <a:buFont typeface="Wingdings" panose="05000000000000000000" charset="0"/>
-              <a:buChar char="l"/>
-            </a:pPr>
-            <a:r>
-              <a:rPr lang="zh-CN" altLang="en-US" sz="2000">
-                <a:solidFill>
-                  <a:schemeClr val="bg1"/>
-                </a:solidFill>
-                <a:latin typeface="微软雅黑" panose="020B0503020204020204" charset="-122"/>
-                <a:ea typeface="微软雅黑" panose="020B0503020204020204" charset="-122"/>
-                <a:cs typeface="微软雅黑" panose="020B0503020204020204" charset="-122"/>
-              </a:rPr>
-              <a:t>构建在Chrome浏览器V8引擎上的JavaScript 运行环境</a:t>
-            </a:r>
-            <a:endParaRPr lang="zh-CN" altLang="en-US" sz="2000">
-              <a:solidFill>
-                <a:schemeClr val="bg1"/>
-              </a:solidFill>
-              <a:latin typeface="微软雅黑" panose="020B0503020204020204" charset="-122"/>
-              <a:ea typeface="微软雅黑" panose="020B0503020204020204" charset="-122"/>
-              <a:cs typeface="微软雅黑" panose="020B0503020204020204" charset="-122"/>
-            </a:endParaRPr>
-          </a:p>
-          <a:p>
-            <a:pPr marL="514350" indent="-514350" algn="l">
-              <a:lnSpc>
-                <a:spcPct val="140000"/>
-              </a:lnSpc>
-              <a:buFont typeface="Wingdings" panose="05000000000000000000" charset="0"/>
-              <a:buChar char="l"/>
-            </a:pPr>
-            <a:r>
-              <a:rPr lang="zh-CN" altLang="en-US" sz="2000">
-                <a:solidFill>
-                  <a:schemeClr val="bg1"/>
-                </a:solidFill>
-                <a:latin typeface="微软雅黑" panose="020B0503020204020204" charset="-122"/>
-                <a:ea typeface="微软雅黑" panose="020B0503020204020204" charset="-122"/>
-                <a:cs typeface="微软雅黑" panose="020B0503020204020204" charset="-122"/>
-                <a:sym typeface="+mn-ea"/>
-              </a:rPr>
-              <a:t>非阻塞I/O模型</a:t>
-            </a:r>
-            <a:endParaRPr lang="zh-CN" altLang="en-US" sz="2000">
-              <a:solidFill>
-                <a:schemeClr val="bg1"/>
-              </a:solidFill>
-              <a:latin typeface="微软雅黑" panose="020B0503020204020204" charset="-122"/>
-              <a:ea typeface="微软雅黑" panose="020B0503020204020204" charset="-122"/>
-              <a:cs typeface="微软雅黑" panose="020B0503020204020204" charset="-122"/>
-              <a:sym typeface="+mn-ea"/>
-            </a:endParaRPr>
-          </a:p>
-          <a:p>
-            <a:pPr marL="514350" indent="-514350" algn="l">
-              <a:lnSpc>
-                <a:spcPct val="140000"/>
-              </a:lnSpc>
-              <a:buFont typeface="Wingdings" panose="05000000000000000000" charset="0"/>
-              <a:buChar char="l"/>
-            </a:pPr>
-            <a:r>
-              <a:rPr lang="zh-CN" altLang="en-US" sz="2000">
-                <a:solidFill>
-                  <a:schemeClr val="bg1"/>
-                </a:solidFill>
-                <a:latin typeface="微软雅黑" panose="020B0503020204020204" charset="-122"/>
-                <a:ea typeface="微软雅黑" panose="020B0503020204020204" charset="-122"/>
-                <a:cs typeface="微软雅黑" panose="020B0503020204020204" charset="-122"/>
-                <a:sym typeface="+mn-ea"/>
-              </a:rPr>
-              <a:t>事件驱动</a:t>
-            </a:r>
-            <a:endParaRPr lang="zh-CN" altLang="en-US" sz="2000">
-              <a:solidFill>
-                <a:schemeClr val="bg1"/>
-              </a:solidFill>
-              <a:latin typeface="微软雅黑" panose="020B0503020204020204" charset="-122"/>
-              <a:ea typeface="微软雅黑" panose="020B0503020204020204" charset="-122"/>
-              <a:cs typeface="微软雅黑" panose="020B0503020204020204" charset="-122"/>
-              <a:sym typeface="+mn-ea"/>
-            </a:endParaRPr>
-          </a:p>
-          <a:p>
-            <a:pPr marL="514350" indent="-514350" algn="l">
-              <a:lnSpc>
-                <a:spcPct val="140000"/>
-              </a:lnSpc>
-              <a:buFont typeface="Wingdings" panose="05000000000000000000" charset="0"/>
-              <a:buChar char="l"/>
-            </a:pPr>
-            <a:r>
-              <a:rPr lang="zh-CN" altLang="en-US" sz="2000">
-                <a:solidFill>
-                  <a:schemeClr val="bg1"/>
-                </a:solidFill>
-                <a:latin typeface="微软雅黑" panose="020B0503020204020204" charset="-122"/>
-                <a:ea typeface="微软雅黑" panose="020B0503020204020204" charset="-122"/>
-                <a:cs typeface="微软雅黑" panose="020B0503020204020204" charset="-122"/>
-                <a:sym typeface="+mn-ea"/>
-              </a:rPr>
-              <a:t>花最小的硬件成本，追求更高的并发，更高的处理性能</a:t>
-            </a:r>
-            <a:endParaRPr lang="zh-CN" altLang="en-US" sz="2000">
-              <a:solidFill>
-                <a:schemeClr val="bg1"/>
-              </a:solidFill>
-              <a:latin typeface="微软雅黑" panose="020B0503020204020204" charset="-122"/>
-              <a:ea typeface="微软雅黑" panose="020B0503020204020204" charset="-122"/>
-              <a:cs typeface="微软雅黑" panose="020B0503020204020204" charset="-122"/>
-              <a:sym typeface="+mn-ea"/>
-            </a:endParaRPr>
-          </a:p>
-          <a:p>
-            <a:pPr algn="l">
-              <a:lnSpc>
-                <a:spcPct val="140000"/>
-              </a:lnSpc>
-              <a:buFont typeface="Wingdings" panose="05000000000000000000" charset="0"/>
             </a:pPr>
             <a:endParaRPr lang="zh-CN" altLang="en-US" sz="2000">
               <a:solidFill>
@@ -8923,7 +9947,7 @@
         </p:nvSpPr>
         <p:spPr>
           <a:xfrm>
-            <a:off x="1316355" y="184150"/>
+            <a:off x="1332865" y="2837815"/>
             <a:ext cx="6684645" cy="987425"/>
           </a:xfrm>
         </p:spPr>
@@ -8937,19 +9961,280 @@
                 </a:solidFill>
                 <a:sym typeface="+mn-ea"/>
               </a:rPr>
-              <a:t>NodeJS简介</a:t>
-            </a:r>
-            <a:endParaRPr lang="zh-CN" altLang="en-US" sz="3200">
+              <a:t>Node.js简介</a:t>
+            </a:r>
+            <a:endParaRPr lang="en-US" altLang="zh-CN" sz="3200">
               <a:solidFill>
                 <a:schemeClr val="bg1"/>
               </a:solidFill>
+              <a:sym typeface="+mn-ea"/>
+            </a:endParaRPr>
+          </a:p>
+        </p:txBody>
+      </p:sp>
+    </p:spTree>
+  </p:cSld>
+  <p:clrMapOvr>
+    <a:masterClrMapping/>
+  </p:clrMapOvr>
+</p:sld>
+</file>
+
+<file path=ppt/slides/slide7.xml><?xml version="1.0" encoding="utf-8"?>
+<p:sld xmlns:a="http://schemas.openxmlformats.org/drawingml/2006/main" xmlns:r="http://schemas.openxmlformats.org/officeDocument/2006/relationships" xmlns:p="http://schemas.openxmlformats.org/presentationml/2006/main">
+  <p:cSld>
+    <p:spTree>
+      <p:nvGrpSpPr>
+        <p:cNvPr id="1" name=""/>
+        <p:cNvGrpSpPr/>
+        <p:nvPr/>
+      </p:nvGrpSpPr>
+      <p:grpSpPr/>
+      <p:sp>
+        <p:nvSpPr>
+          <p:cNvPr id="4" name="标题 3"/>
+          <p:cNvSpPr>
+            <a:spLocks noGrp="1"/>
+          </p:cNvSpPr>
+          <p:nvPr>
+            <p:ph type="ctrTitle"/>
+          </p:nvPr>
+        </p:nvSpPr>
+        <p:spPr>
+          <a:xfrm>
+            <a:off x="1316355" y="184150"/>
+            <a:ext cx="6684645" cy="987425"/>
+          </a:xfrm>
+        </p:spPr>
+        <p:txBody>
+          <a:bodyPr/>
+          <a:p>
+            <a:r>
+              <a:rPr lang="zh-CN" altLang="en-US" sz="3200">
+                <a:solidFill>
+                  <a:schemeClr val="bg1"/>
+                </a:solidFill>
+              </a:rPr>
+              <a:t>NodeJS简介</a:t>
+            </a:r>
+            <a:endParaRPr lang="en-US" altLang="zh-CN" sz="3200">
+              <a:solidFill>
+                <a:schemeClr val="bg1"/>
+              </a:solidFill>
+            </a:endParaRPr>
+          </a:p>
+        </p:txBody>
+      </p:sp>
+      <p:sp>
+        <p:nvSpPr>
+          <p:cNvPr id="6" name="副标题 5"/>
+          <p:cNvSpPr>
+            <a:spLocks noGrp="1"/>
+          </p:cNvSpPr>
+          <p:nvPr>
+            <p:ph type="subTitle" idx="1"/>
+          </p:nvPr>
+        </p:nvSpPr>
+        <p:spPr>
+          <a:xfrm>
+            <a:off x="925195" y="1612265"/>
+            <a:ext cx="7450455" cy="3024505"/>
+          </a:xfrm>
+        </p:spPr>
+        <p:txBody>
+          <a:bodyPr/>
+          <a:p>
+            <a:pPr marL="514350" indent="-514350" algn="l">
+              <a:lnSpc>
+                <a:spcPct val="140000"/>
+              </a:lnSpc>
+              <a:buFont typeface="Wingdings" panose="05000000000000000000" charset="0"/>
+              <a:buChar char="l"/>
+            </a:pPr>
+            <a:r>
+              <a:rPr lang="zh-CN" altLang="en-US" sz="2000">
+                <a:solidFill>
+                  <a:schemeClr val="bg1"/>
+                </a:solidFill>
+                <a:latin typeface="微软雅黑" panose="020B0503020204020204" charset="-122"/>
+                <a:ea typeface="微软雅黑" panose="020B0503020204020204" charset="-122"/>
+                <a:cs typeface="微软雅黑" panose="020B0503020204020204" charset="-122"/>
+              </a:rPr>
+              <a:t>构建在Chrome浏览器V8引擎上的JavaScript 运行环境</a:t>
+            </a:r>
+            <a:endParaRPr lang="zh-CN" altLang="en-US" sz="2000">
+              <a:solidFill>
+                <a:schemeClr val="bg1"/>
+              </a:solidFill>
+              <a:latin typeface="微软雅黑" panose="020B0503020204020204" charset="-122"/>
+              <a:ea typeface="微软雅黑" panose="020B0503020204020204" charset="-122"/>
+              <a:cs typeface="微软雅黑" panose="020B0503020204020204" charset="-122"/>
+            </a:endParaRPr>
+          </a:p>
+          <a:p>
+            <a:pPr marL="514350" indent="-514350" algn="l">
+              <a:lnSpc>
+                <a:spcPct val="140000"/>
+              </a:lnSpc>
+              <a:buFont typeface="Wingdings" panose="05000000000000000000" charset="0"/>
+              <a:buChar char="l"/>
+            </a:pPr>
+            <a:r>
+              <a:rPr lang="zh-CN" altLang="en-US" sz="2000">
+                <a:solidFill>
+                  <a:schemeClr val="bg1"/>
+                </a:solidFill>
+                <a:latin typeface="微软雅黑" panose="020B0503020204020204" charset="-122"/>
+                <a:ea typeface="微软雅黑" panose="020B0503020204020204" charset="-122"/>
+                <a:cs typeface="微软雅黑" panose="020B0503020204020204" charset="-122"/>
+                <a:sym typeface="+mn-ea"/>
+              </a:rPr>
+              <a:t>非阻塞I/O模型</a:t>
+            </a:r>
+            <a:endParaRPr lang="zh-CN" altLang="en-US" sz="2000">
+              <a:solidFill>
+                <a:schemeClr val="bg1"/>
+              </a:solidFill>
+              <a:latin typeface="微软雅黑" panose="020B0503020204020204" charset="-122"/>
+              <a:ea typeface="微软雅黑" panose="020B0503020204020204" charset="-122"/>
+              <a:cs typeface="微软雅黑" panose="020B0503020204020204" charset="-122"/>
+              <a:sym typeface="+mn-ea"/>
+            </a:endParaRPr>
+          </a:p>
+          <a:p>
+            <a:pPr marL="514350" indent="-514350" algn="l">
+              <a:lnSpc>
+                <a:spcPct val="140000"/>
+              </a:lnSpc>
+              <a:buFont typeface="Wingdings" panose="05000000000000000000" charset="0"/>
+              <a:buChar char="l"/>
+            </a:pPr>
+            <a:r>
+              <a:rPr lang="zh-CN" altLang="en-US" sz="2000">
+                <a:solidFill>
+                  <a:schemeClr val="bg1"/>
+                </a:solidFill>
+                <a:latin typeface="微软雅黑" panose="020B0503020204020204" charset="-122"/>
+                <a:ea typeface="微软雅黑" panose="020B0503020204020204" charset="-122"/>
+                <a:cs typeface="微软雅黑" panose="020B0503020204020204" charset="-122"/>
+                <a:sym typeface="+mn-ea"/>
+              </a:rPr>
+              <a:t>事件驱动</a:t>
+            </a:r>
+            <a:endParaRPr lang="zh-CN" altLang="en-US" sz="2000">
+              <a:solidFill>
+                <a:schemeClr val="bg1"/>
+              </a:solidFill>
+              <a:latin typeface="微软雅黑" panose="020B0503020204020204" charset="-122"/>
+              <a:ea typeface="微软雅黑" panose="020B0503020204020204" charset="-122"/>
+              <a:cs typeface="微软雅黑" panose="020B0503020204020204" charset="-122"/>
+              <a:sym typeface="+mn-ea"/>
+            </a:endParaRPr>
+          </a:p>
+          <a:p>
+            <a:pPr marL="514350" indent="-514350" algn="l">
+              <a:lnSpc>
+                <a:spcPct val="140000"/>
+              </a:lnSpc>
+              <a:buFont typeface="Wingdings" panose="05000000000000000000" charset="0"/>
+              <a:buChar char="l"/>
+            </a:pPr>
+            <a:r>
+              <a:rPr lang="zh-CN" altLang="en-US" sz="2000">
+                <a:solidFill>
+                  <a:schemeClr val="bg1"/>
+                </a:solidFill>
+                <a:latin typeface="微软雅黑" panose="020B0503020204020204" charset="-122"/>
+                <a:ea typeface="微软雅黑" panose="020B0503020204020204" charset="-122"/>
+                <a:cs typeface="微软雅黑" panose="020B0503020204020204" charset="-122"/>
+                <a:sym typeface="+mn-ea"/>
+              </a:rPr>
+              <a:t>花最小的硬件成本，追求更高的并发，更高的处理性能</a:t>
+            </a:r>
+            <a:endParaRPr lang="zh-CN" altLang="en-US" sz="2000">
+              <a:solidFill>
+                <a:schemeClr val="bg1"/>
+              </a:solidFill>
+              <a:latin typeface="微软雅黑" panose="020B0503020204020204" charset="-122"/>
+              <a:ea typeface="微软雅黑" panose="020B0503020204020204" charset="-122"/>
+              <a:cs typeface="微软雅黑" panose="020B0503020204020204" charset="-122"/>
+              <a:sym typeface="+mn-ea"/>
+            </a:endParaRPr>
+          </a:p>
+          <a:p>
+            <a:pPr algn="l">
+              <a:lnSpc>
+                <a:spcPct val="140000"/>
+              </a:lnSpc>
+              <a:buFont typeface="Wingdings" panose="05000000000000000000" charset="0"/>
+            </a:pPr>
+            <a:endParaRPr lang="zh-CN" altLang="en-US" sz="2000">
+              <a:solidFill>
+                <a:schemeClr val="bg1"/>
+              </a:solidFill>
+              <a:latin typeface="微软雅黑" panose="020B0503020204020204" charset="-122"/>
+              <a:ea typeface="微软雅黑" panose="020B0503020204020204" charset="-122"/>
+              <a:cs typeface="微软雅黑" panose="020B0503020204020204" charset="-122"/>
+            </a:endParaRPr>
+          </a:p>
+        </p:txBody>
+      </p:sp>
+    </p:spTree>
+  </p:cSld>
+  <p:clrMapOvr>
+    <a:masterClrMapping/>
+  </p:clrMapOvr>
+</p:sld>
+</file>
+
+<file path=ppt/slides/slide8.xml><?xml version="1.0" encoding="utf-8"?>
+<p:sld xmlns:a="http://schemas.openxmlformats.org/drawingml/2006/main" xmlns:r="http://schemas.openxmlformats.org/officeDocument/2006/relationships" xmlns:p="http://schemas.openxmlformats.org/presentationml/2006/main">
+  <p:cSld>
+    <p:spTree>
+      <p:nvGrpSpPr>
+        <p:cNvPr id="1" name=""/>
+        <p:cNvGrpSpPr/>
+        <p:nvPr/>
+      </p:nvGrpSpPr>
+      <p:grpSpPr/>
+      <p:sp>
+        <p:nvSpPr>
+          <p:cNvPr id="4" name="标题 3"/>
+          <p:cNvSpPr>
+            <a:spLocks noGrp="1"/>
+          </p:cNvSpPr>
+          <p:nvPr>
+            <p:ph type="ctrTitle"/>
+          </p:nvPr>
+        </p:nvSpPr>
+        <p:spPr>
+          <a:xfrm>
+            <a:off x="1316355" y="184150"/>
+            <a:ext cx="6684645" cy="987425"/>
+          </a:xfrm>
+        </p:spPr>
+        <p:txBody>
+          <a:bodyPr/>
+          <a:p>
+            <a:r>
+              <a:rPr lang="en-US" altLang="zh-CN" sz="3200">
+                <a:solidFill>
+                  <a:schemeClr val="bg1"/>
+                </a:solidFill>
+              </a:rPr>
+              <a:t> </a:t>
+            </a:r>
+            <a:endParaRPr lang="en-US" altLang="zh-CN" sz="3200">
+              <a:solidFill>
+                <a:schemeClr val="bg1"/>
+              </a:solidFill>
             </a:endParaRPr>
           </a:p>
         </p:txBody>
       </p:sp>
       <p:pic>
         <p:nvPicPr>
-          <p:cNvPr id="7" name="图片 6"/>
+          <p:cNvPr id="2" name="图片 1"/>
           <p:cNvPicPr>
             <a:picLocks noChangeAspect="1"/>
           </p:cNvPicPr>
@@ -8963,14 +10248,76 @@
         </p:blipFill>
         <p:spPr>
           <a:xfrm>
-            <a:off x="250190" y="1435100"/>
-            <a:ext cx="8643620" cy="5079365"/>
+            <a:off x="106045" y="1672590"/>
+            <a:ext cx="8931910" cy="4465955"/>
           </a:xfrm>
           <a:prstGeom prst="rect">
             <a:avLst/>
           </a:prstGeom>
         </p:spPr>
       </p:pic>
+      <p:sp>
+        <p:nvSpPr>
+          <p:cNvPr id="3" name="标题 3"/>
+          <p:cNvSpPr>
+            <a:spLocks noGrp="1"/>
+          </p:cNvSpPr>
+          <p:nvPr/>
+        </p:nvSpPr>
+        <p:spPr>
+          <a:xfrm>
+            <a:off x="1443355" y="311150"/>
+            <a:ext cx="6684645" cy="987425"/>
+          </a:xfrm>
+          <a:prstGeom prst="rect">
+            <a:avLst/>
+          </a:prstGeom>
+          <a:noFill/>
+          <a:ln w="9525">
+            <a:noFill/>
+          </a:ln>
+        </p:spPr>
+        <p:txBody>
+          <a:bodyPr anchor="b"/>
+          <a:lstStyle>
+            <a:lvl1pPr marL="0" lvl="0" indent="0" algn="ctr" defTabSz="914400" eaLnBrk="1" fontAlgn="base" latinLnBrk="0" hangingPunct="1">
+              <a:lnSpc>
+                <a:spcPct val="100000"/>
+              </a:lnSpc>
+              <a:spcBef>
+                <a:spcPct val="0"/>
+              </a:spcBef>
+              <a:spcAft>
+                <a:spcPct val="0"/>
+              </a:spcAft>
+              <a:buNone/>
+              <a:defRPr sz="4500" b="0" i="0" u="none" kern="1200" baseline="0">
+                <a:solidFill>
+                  <a:schemeClr val="tx2"/>
+                </a:solidFill>
+                <a:latin typeface="+mj-lt"/>
+                <a:ea typeface="+mj-ea"/>
+                <a:cs typeface="+mj-cs"/>
+              </a:defRPr>
+            </a:lvl1pPr>
+          </a:lstStyle>
+          <a:p>
+            <a:r>
+              <a:rPr lang="zh-CN" altLang="en-US" sz="3200">
+                <a:solidFill>
+                  <a:schemeClr val="bg1"/>
+                </a:solidFill>
+              </a:rPr>
+              <a:t>NodeJS简介</a:t>
+            </a:r>
+            <a:endParaRPr lang="en-US" altLang="zh-CN" sz="3200">
+              <a:solidFill>
+                <a:schemeClr val="bg1"/>
+              </a:solidFill>
+            </a:endParaRPr>
+          </a:p>
+        </p:txBody>
+      </p:sp>
     </p:spTree>
   </p:cSld>
   <p:clrMapOvr>
@@ -8979,7 +10326,7 @@
 </p:sld>
 </file>
 
-<file path=ppt/slides/slide7.xml><?xml version="1.0" encoding="utf-8"?>
+<file path=ppt/slides/slide9.xml><?xml version="1.0" encoding="utf-8"?>
 <p:sld xmlns:a="http://schemas.openxmlformats.org/drawingml/2006/main" xmlns:r="http://schemas.openxmlformats.org/officeDocument/2006/relationships" xmlns:p="http://schemas.openxmlformats.org/presentationml/2006/main">
   <p:cSld>
     <p:spTree>
@@ -9077,214 +10424,6 @@
           </a:prstGeom>
         </p:spPr>
       </p:pic>
-    </p:spTree>
-  </p:cSld>
-  <p:clrMapOvr>
-    <a:masterClrMapping/>
-  </p:clrMapOvr>
-</p:sld>
-</file>
-
-<file path=ppt/slides/slide8.xml><?xml version="1.0" encoding="utf-8"?>
-<p:sld xmlns:a="http://schemas.openxmlformats.org/drawingml/2006/main" xmlns:r="http://schemas.openxmlformats.org/officeDocument/2006/relationships" xmlns:p="http://schemas.openxmlformats.org/presentationml/2006/main">
-  <p:cSld>
-    <p:spTree>
-      <p:nvGrpSpPr>
-        <p:cNvPr id="1" name=""/>
-        <p:cNvGrpSpPr/>
-        <p:nvPr/>
-      </p:nvGrpSpPr>
-      <p:grpSpPr/>
-      <p:sp>
-        <p:nvSpPr>
-          <p:cNvPr id="4" name="标题 3"/>
-          <p:cNvSpPr>
-            <a:spLocks noGrp="1"/>
-          </p:cNvSpPr>
-          <p:nvPr>
-            <p:ph type="ctrTitle"/>
-          </p:nvPr>
-        </p:nvSpPr>
-        <p:spPr>
-          <a:xfrm>
-            <a:off x="1316355" y="184150"/>
-            <a:ext cx="6684645" cy="987425"/>
-          </a:xfrm>
-        </p:spPr>
-        <p:txBody>
-          <a:bodyPr/>
-          <a:p>
-            <a:r>
-              <a:rPr lang="zh-CN" altLang="en-US" sz="3200">
-                <a:solidFill>
-                  <a:schemeClr val="bg1"/>
-                </a:solidFill>
-                <a:sym typeface="+mn-ea"/>
-              </a:rPr>
-              <a:t>NodeJS简介</a:t>
-            </a:r>
-            <a:endParaRPr lang="zh-CN" altLang="en-US" sz="3200">
-              <a:solidFill>
-                <a:schemeClr val="bg1"/>
-              </a:solidFill>
-            </a:endParaRPr>
-          </a:p>
-        </p:txBody>
-      </p:sp>
-      <p:pic>
-        <p:nvPicPr>
-          <p:cNvPr id="2" name="图片 1"/>
-          <p:cNvPicPr>
-            <a:picLocks noChangeAspect="1"/>
-          </p:cNvPicPr>
-          <p:nvPr/>
-        </p:nvPicPr>
-        <p:blipFill>
-          <a:blip r:embed="rId1"/>
-          <a:stretch>
-            <a:fillRect/>
-          </a:stretch>
-        </p:blipFill>
-        <p:spPr>
-          <a:xfrm>
-            <a:off x="2293620" y="1300480"/>
-            <a:ext cx="4556125" cy="5538470"/>
-          </a:xfrm>
-          <a:prstGeom prst="rect">
-            <a:avLst/>
-          </a:prstGeom>
-        </p:spPr>
-      </p:pic>
-    </p:spTree>
-  </p:cSld>
-  <p:clrMapOvr>
-    <a:masterClrMapping/>
-  </p:clrMapOvr>
-</p:sld>
-</file>
-
-<file path=ppt/slides/slide9.xml><?xml version="1.0" encoding="utf-8"?>
-<p:sld xmlns:a="http://schemas.openxmlformats.org/drawingml/2006/main" xmlns:r="http://schemas.openxmlformats.org/officeDocument/2006/relationships" xmlns:p="http://schemas.openxmlformats.org/presentationml/2006/main">
-  <p:cSld>
-    <p:spTree>
-      <p:nvGrpSpPr>
-        <p:cNvPr id="1" name=""/>
-        <p:cNvGrpSpPr/>
-        <p:nvPr/>
-      </p:nvGrpSpPr>
-      <p:grpSpPr/>
-      <p:sp>
-        <p:nvSpPr>
-          <p:cNvPr id="4" name="标题 3"/>
-          <p:cNvSpPr>
-            <a:spLocks noGrp="1"/>
-          </p:cNvSpPr>
-          <p:nvPr>
-            <p:ph type="ctrTitle"/>
-          </p:nvPr>
-        </p:nvSpPr>
-        <p:spPr>
-          <a:xfrm>
-            <a:off x="1316355" y="184150"/>
-            <a:ext cx="6684645" cy="987425"/>
-          </a:xfrm>
-        </p:spPr>
-        <p:txBody>
-          <a:bodyPr/>
-          <a:p>
-            <a:r>
-              <a:rPr lang="zh-CN" altLang="en-US" sz="3200">
-                <a:solidFill>
-                  <a:schemeClr val="bg1"/>
-                </a:solidFill>
-                <a:sym typeface="+mn-ea"/>
-              </a:rPr>
-              <a:t>Node.js 单线程</a:t>
-            </a:r>
-            <a:endParaRPr lang="zh-CN" altLang="en-US" sz="3200">
-              <a:solidFill>
-                <a:schemeClr val="bg1"/>
-              </a:solidFill>
-            </a:endParaRPr>
-          </a:p>
-        </p:txBody>
-      </p:sp>
-      <p:sp>
-        <p:nvSpPr>
-          <p:cNvPr id="6" name="副标题 5"/>
-          <p:cNvSpPr>
-            <a:spLocks noGrp="1"/>
-          </p:cNvSpPr>
-          <p:nvPr>
-            <p:ph type="subTitle" idx="1"/>
-          </p:nvPr>
-        </p:nvSpPr>
-        <p:spPr>
-          <a:xfrm>
-            <a:off x="767715" y="1638935"/>
-            <a:ext cx="7752080" cy="4224020"/>
-          </a:xfrm>
-        </p:spPr>
-        <p:txBody>
-          <a:bodyPr/>
-          <a:p>
-            <a:pPr marL="514350" indent="-514350" algn="l">
-              <a:lnSpc>
-                <a:spcPct val="140000"/>
-              </a:lnSpc>
-              <a:buFont typeface="Wingdings" panose="05000000000000000000" charset="0"/>
-              <a:buChar char="l"/>
-            </a:pPr>
-            <a:r>
-              <a:rPr lang="zh-CN" altLang="en-US" sz="2000">
-                <a:solidFill>
-                  <a:schemeClr val="bg1"/>
-                </a:solidFill>
-                <a:latin typeface="微软雅黑" panose="020B0503020204020204" charset="-122"/>
-                <a:ea typeface="微软雅黑" panose="020B0503020204020204" charset="-122"/>
-                <a:cs typeface="微软雅黑" panose="020B0503020204020204" charset="-122"/>
-              </a:rPr>
-              <a:t>在传统web 服务模型中，大多都使用多线程来解决并发的问题。而每一个客户端连接创建一个线程，需要耗费2MB的内存。也就是说。理论上一个8GB的服务器可以同时连接用户数为4000个左右。</a:t>
-            </a:r>
-            <a:endParaRPr lang="zh-CN" altLang="en-US" sz="2000">
-              <a:solidFill>
-                <a:schemeClr val="bg1"/>
-              </a:solidFill>
-              <a:latin typeface="微软雅黑" panose="020B0503020204020204" charset="-122"/>
-              <a:ea typeface="微软雅黑" panose="020B0503020204020204" charset="-122"/>
-              <a:cs typeface="微软雅黑" panose="020B0503020204020204" charset="-122"/>
-            </a:endParaRPr>
-          </a:p>
-          <a:p>
-            <a:pPr marL="514350" indent="-514350" algn="l">
-              <a:lnSpc>
-                <a:spcPct val="140000"/>
-              </a:lnSpc>
-              <a:buFont typeface="Wingdings" panose="05000000000000000000" charset="0"/>
-              <a:buChar char="l"/>
-            </a:pPr>
-            <a:r>
-              <a:rPr lang="zh-CN" altLang="en-US" sz="2000">
-                <a:solidFill>
-                  <a:schemeClr val="bg1"/>
-                </a:solidFill>
-                <a:latin typeface="微软雅黑" panose="020B0503020204020204" charset="-122"/>
-                <a:ea typeface="微软雅黑" panose="020B0503020204020204" charset="-122"/>
-                <a:cs typeface="微软雅黑" panose="020B0503020204020204" charset="-122"/>
-              </a:rPr>
-              <a:t>Node.js 使用一个线程（thread），利用非阻塞IO，事件驱动，理论上，一个8G内存的服务器，可以同时容纳3到4万用户的连接。</a:t>
-            </a:r>
-            <a:endParaRPr lang="zh-CN" altLang="en-US" sz="2000">
-              <a:solidFill>
-                <a:schemeClr val="bg1"/>
-              </a:solidFill>
-              <a:latin typeface="微软雅黑" panose="020B0503020204020204" charset="-122"/>
-              <a:ea typeface="微软雅黑" panose="020B0503020204020204" charset="-122"/>
-              <a:cs typeface="微软雅黑" panose="020B0503020204020204" charset="-122"/>
-            </a:endParaRPr>
-          </a:p>
-        </p:txBody>
-      </p:sp>
     </p:spTree>
   </p:cSld>
   <p:clrMapOvr>
